--- a/SW전시회 판넬_바다와아이1.pptx
+++ b/SW전시회 판넬_바다와아이1.pptx
@@ -208,7 +208,7 @@
           <a:p>
             <a:fld id="{72E67518-7B1B-D04E-AEEB-B868EE55A810}" type="datetimeFigureOut">
               <a:rPr kumimoji="1" lang="ko-KR" altLang="en-US" smtClean="0"/>
-              <a:t>2022-11-16</a:t>
+              <a:t>2022-11-18</a:t>
             </a:fld>
             <a:endParaRPr kumimoji="1" lang="ko-KR" altLang="en-US"/>
           </a:p>
@@ -654,7 +654,7 @@
           <a:p>
             <a:fld id="{F8166F1F-CE9B-4651-A6AA-CD717754106B}" type="datetimeFigureOut">
               <a:rPr lang="en-US" smtClean="0"/>
-              <a:t>11/16/2022</a:t>
+              <a:t>11/18/2022</a:t>
             </a:fld>
             <a:endParaRPr lang="en-US"/>
           </a:p>
@@ -817,7 +817,7 @@
           <a:p>
             <a:fld id="{A76116CE-C4A3-4A05-B2D7-7C2E9A889C0F}" type="datetimeFigureOut">
               <a:rPr lang="en-US" smtClean="0"/>
-              <a:t>11/16/2022</a:t>
+              <a:t>11/18/2022</a:t>
             </a:fld>
             <a:endParaRPr lang="en-US"/>
           </a:p>
@@ -990,7 +990,7 @@
           <a:p>
             <a:fld id="{A76116CE-C4A3-4A05-B2D7-7C2E9A889C0F}" type="datetimeFigureOut">
               <a:rPr lang="en-US" smtClean="0"/>
-              <a:t>11/16/2022</a:t>
+              <a:t>11/18/2022</a:t>
             </a:fld>
             <a:endParaRPr lang="en-US"/>
           </a:p>
@@ -1155,7 +1155,7 @@
           <a:p>
             <a:fld id="{A76116CE-C4A3-4A05-B2D7-7C2E9A889C0F}" type="datetimeFigureOut">
               <a:rPr lang="en-US" smtClean="0"/>
-              <a:t>11/16/2022</a:t>
+              <a:t>11/18/2022</a:t>
             </a:fld>
             <a:endParaRPr lang="en-US"/>
           </a:p>
@@ -1395,7 +1395,7 @@
           <a:p>
             <a:fld id="{A76116CE-C4A3-4A05-B2D7-7C2E9A889C0F}" type="datetimeFigureOut">
               <a:rPr lang="en-US" smtClean="0"/>
-              <a:t>11/16/2022</a:t>
+              <a:t>11/18/2022</a:t>
             </a:fld>
             <a:endParaRPr lang="en-US"/>
           </a:p>
@@ -1675,7 +1675,7 @@
           <a:p>
             <a:fld id="{A76116CE-C4A3-4A05-B2D7-7C2E9A889C0F}" type="datetimeFigureOut">
               <a:rPr lang="en-US" smtClean="0"/>
-              <a:t>11/16/2022</a:t>
+              <a:t>11/18/2022</a:t>
             </a:fld>
             <a:endParaRPr lang="en-US"/>
           </a:p>
@@ -2089,7 +2089,7 @@
           <a:p>
             <a:fld id="{A76116CE-C4A3-4A05-B2D7-7C2E9A889C0F}" type="datetimeFigureOut">
               <a:rPr lang="en-US" smtClean="0"/>
-              <a:t>11/16/2022</a:t>
+              <a:t>11/18/2022</a:t>
             </a:fld>
             <a:endParaRPr lang="en-US"/>
           </a:p>
@@ -2201,7 +2201,7 @@
           <a:p>
             <a:fld id="{A76116CE-C4A3-4A05-B2D7-7C2E9A889C0F}" type="datetimeFigureOut">
               <a:rPr lang="en-US" smtClean="0"/>
-              <a:t>11/16/2022</a:t>
+              <a:t>11/18/2022</a:t>
             </a:fld>
             <a:endParaRPr lang="en-US"/>
           </a:p>
@@ -2291,7 +2291,7 @@
           <a:p>
             <a:fld id="{A76116CE-C4A3-4A05-B2D7-7C2E9A889C0F}" type="datetimeFigureOut">
               <a:rPr lang="en-US" smtClean="0"/>
-              <a:t>11/16/2022</a:t>
+              <a:t>11/18/2022</a:t>
             </a:fld>
             <a:endParaRPr lang="en-US"/>
           </a:p>
@@ -2561,7 +2561,7 @@
           <a:p>
             <a:fld id="{A76116CE-C4A3-4A05-B2D7-7C2E9A889C0F}" type="datetimeFigureOut">
               <a:rPr lang="en-US" smtClean="0"/>
-              <a:t>11/16/2022</a:t>
+              <a:t>11/18/2022</a:t>
             </a:fld>
             <a:endParaRPr lang="en-US"/>
           </a:p>
@@ -2808,7 +2808,7 @@
           <a:p>
             <a:fld id="{A76116CE-C4A3-4A05-B2D7-7C2E9A889C0F}" type="datetimeFigureOut">
               <a:rPr lang="en-US" smtClean="0"/>
-              <a:t>11/16/2022</a:t>
+              <a:t>11/18/2022</a:t>
             </a:fld>
             <a:endParaRPr lang="en-US"/>
           </a:p>
@@ -3014,7 +3014,7 @@
           <a:p>
             <a:fld id="{F8166F1F-CE9B-4651-A6AA-CD717754106B}" type="datetimeFigureOut">
               <a:rPr lang="en-US" smtClean="0"/>
-              <a:t>11/16/2022</a:t>
+              <a:t>11/18/2022</a:t>
             </a:fld>
             <a:endParaRPr lang="en-US"/>
           </a:p>
@@ -4619,8 +4619,8 @@
         </p:nvSpPr>
         <p:spPr>
           <a:xfrm>
-            <a:off x="5593371" y="4941150"/>
-            <a:ext cx="1474202" cy="523220"/>
+            <a:off x="5397973" y="4262288"/>
+            <a:ext cx="1899199" cy="523220"/>
           </a:xfrm>
           <a:prstGeom prst="rect">
             <a:avLst/>
@@ -4642,9 +4642,19 @@
                 <a:latin typeface="한컴산뜻돋움" panose="02000000000000000000" pitchFamily="2" charset="-127"/>
                 <a:ea typeface="한컴산뜻돋움" panose="02000000000000000000" pitchFamily="2" charset="-127"/>
               </a:rPr>
-              <a:t>미니게임 모음집 어플리케이션</a:t>
-            </a:r>
-            <a:endParaRPr kumimoji="1" lang="ko-Kore-KR" altLang="en-US" sz="1400" dirty="0">
+              <a:t>미니게임 모음집</a:t>
+            </a:r>
+            <a:endParaRPr kumimoji="1" lang="en-US" altLang="ko-KR" sz="1400" dirty="0">
+              <a:solidFill>
+                <a:schemeClr val="bg1"/>
+              </a:solidFill>
+              <a:latin typeface="한컴산뜻돋움" panose="02000000000000000000" pitchFamily="2" charset="-127"/>
+              <a:ea typeface="한컴산뜻돋움" panose="02000000000000000000" pitchFamily="2" charset="-127"/>
+            </a:endParaRPr>
+          </a:p>
+          <a:p>
+            <a:pPr algn="ctr"/>
+            <a:endParaRPr kumimoji="1" lang="en-US" altLang="en-US" sz="1400" dirty="0">
               <a:solidFill>
                 <a:schemeClr val="bg1"/>
               </a:solidFill>
@@ -4760,8 +4770,8 @@
         </p:nvSpPr>
         <p:spPr>
           <a:xfrm>
-            <a:off x="3590058" y="6663142"/>
-            <a:ext cx="3615830" cy="2920038"/>
+            <a:off x="3590058" y="6446603"/>
+            <a:ext cx="3615830" cy="3626083"/>
           </a:xfrm>
           <a:prstGeom prst="roundRect">
             <a:avLst>
@@ -5136,8 +5146,8 @@
         </p:nvSpPr>
         <p:spPr>
           <a:xfrm>
-            <a:off x="3780936" y="6870002"/>
-            <a:ext cx="3286637" cy="2631490"/>
+            <a:off x="3870956" y="6585159"/>
+            <a:ext cx="3286637" cy="3554819"/>
           </a:xfrm>
           <a:prstGeom prst="rect">
             <a:avLst/>
@@ -5150,13 +5160,12 @@
           </a:bodyPr>
           <a:lstStyle/>
           <a:p>
-            <a:pPr algn="ctr"/>
             <a:r>
               <a:rPr kumimoji="1" lang="ko-KR" altLang="en-US" sz="1500" dirty="0">
                 <a:solidFill>
                   <a:schemeClr val="bg1"/>
                 </a:solidFill>
-                <a:latin typeface="한컴산뜻돋움" panose="02000000000000000000" pitchFamily="2" charset="-127"/>
+                <a:latin typeface="굴림체" panose="020B0609000101010101" pitchFamily="49" charset="-127"/>
                 <a:ea typeface="한컴산뜻돋움" panose="02000000000000000000" pitchFamily="2" charset="-127"/>
               </a:rPr>
               <a:t>도감 버튼 </a:t>
@@ -5166,7 +5175,7 @@
                 <a:solidFill>
                   <a:schemeClr val="bg1"/>
                 </a:solidFill>
-                <a:latin typeface="한컴산뜻돋움" panose="02000000000000000000" pitchFamily="2" charset="-127"/>
+                <a:latin typeface="굴림체" panose="020B0609000101010101" pitchFamily="49" charset="-127"/>
                 <a:ea typeface="한컴산뜻돋움" panose="02000000000000000000" pitchFamily="2" charset="-127"/>
               </a:rPr>
               <a:t>:</a:t>
@@ -5176,7 +5185,7 @@
                 <a:solidFill>
                   <a:schemeClr val="bg1"/>
                 </a:solidFill>
-                <a:latin typeface="한컴산뜻돋움" panose="02000000000000000000" pitchFamily="2" charset="-127"/>
+                <a:latin typeface="굴림체" panose="020B0609000101010101" pitchFamily="49" charset="-127"/>
                 <a:ea typeface="한컴산뜻돋움" panose="02000000000000000000" pitchFamily="2" charset="-127"/>
               </a:rPr>
               <a:t> </a:t>
@@ -5186,7 +5195,7 @@
                 <a:solidFill>
                   <a:schemeClr val="bg1"/>
                 </a:solidFill>
-                <a:latin typeface="한컴산뜻돋움" panose="02000000000000000000" pitchFamily="2" charset="-127"/>
+                <a:latin typeface="굴림체" panose="020B0609000101010101" pitchFamily="49" charset="-127"/>
                 <a:ea typeface="한컴산뜻돋움" panose="02000000000000000000" pitchFamily="2" charset="-127"/>
               </a:rPr>
               <a:t>십이간지</a:t>
@@ -5196,293 +5205,262 @@
                 <a:solidFill>
                   <a:schemeClr val="bg1"/>
                 </a:solidFill>
-                <a:latin typeface="한컴산뜻돋움" panose="02000000000000000000" pitchFamily="2" charset="-127"/>
+                <a:latin typeface="굴림체" panose="020B0609000101010101" pitchFamily="49" charset="-127"/>
                 <a:ea typeface="한컴산뜻돋움" panose="02000000000000000000" pitchFamily="2" charset="-127"/>
               </a:rPr>
-              <a:t> 캐릭터 도감 확인</a:t>
+              <a:t> 캐릭터 도감 </a:t>
             </a:r>
             <a:endParaRPr kumimoji="1" lang="en-US" altLang="ko-KR" sz="1500" dirty="0">
               <a:solidFill>
                 <a:schemeClr val="bg1"/>
               </a:solidFill>
-              <a:latin typeface="한컴산뜻돋움" panose="02000000000000000000" pitchFamily="2" charset="-127"/>
+              <a:latin typeface="굴림체" panose="020B0609000101010101" pitchFamily="49" charset="-127"/>
               <a:ea typeface="한컴산뜻돋움" panose="02000000000000000000" pitchFamily="2" charset="-127"/>
             </a:endParaRPr>
           </a:p>
           <a:p>
-            <a:pPr algn="ctr"/>
             <a:r>
               <a:rPr kumimoji="1" lang="ko-KR" altLang="en-US" sz="1500" dirty="0">
                 <a:solidFill>
                   <a:schemeClr val="bg1"/>
                 </a:solidFill>
-                <a:latin typeface="한컴산뜻돋움" panose="02000000000000000000" pitchFamily="2" charset="-127"/>
+                <a:latin typeface="굴림체" panose="020B0609000101010101" pitchFamily="49" charset="-127"/>
                 <a:ea typeface="한컴산뜻돋움" panose="02000000000000000000" pitchFamily="2" charset="-127"/>
               </a:rPr>
-              <a:t> </a:t>
+              <a:t>확인</a:t>
             </a:r>
             <a:endParaRPr kumimoji="1" lang="en-US" altLang="ko-KR" sz="1500" dirty="0">
               <a:solidFill>
                 <a:schemeClr val="bg1"/>
               </a:solidFill>
-              <a:latin typeface="한컴산뜻돋움" panose="02000000000000000000" pitchFamily="2" charset="-127"/>
+              <a:latin typeface="굴림체" panose="020B0609000101010101" pitchFamily="49" charset="-127"/>
               <a:ea typeface="한컴산뜻돋움" panose="02000000000000000000" pitchFamily="2" charset="-127"/>
             </a:endParaRPr>
           </a:p>
           <a:p>
-            <a:pPr algn="ctr"/>
-            <a:r>
-              <a:rPr kumimoji="1" lang="ko-KR" altLang="en-US" sz="1500" dirty="0">
-                <a:solidFill>
-                  <a:schemeClr val="bg1"/>
-                </a:solidFill>
-                <a:latin typeface="한컴산뜻돋움" panose="02000000000000000000" pitchFamily="2" charset="-127"/>
-                <a:ea typeface="한컴산뜻돋움" panose="02000000000000000000" pitchFamily="2" charset="-127"/>
-              </a:rPr>
-              <a:t>게임 선택 </a:t>
-            </a:r>
-            <a:r>
-              <a:rPr kumimoji="1" lang="en-US" altLang="ko-KR" sz="1500" dirty="0">
-                <a:solidFill>
-                  <a:schemeClr val="bg1"/>
-                </a:solidFill>
-                <a:latin typeface="한컴산뜻돋움" panose="02000000000000000000" pitchFamily="2" charset="-127"/>
-                <a:ea typeface="한컴산뜻돋움" panose="02000000000000000000" pitchFamily="2" charset="-127"/>
-              </a:rPr>
-              <a:t>: </a:t>
-            </a:r>
-            <a:r>
-              <a:rPr kumimoji="1" lang="ko-KR" altLang="en-US" sz="1500" dirty="0">
-                <a:solidFill>
-                  <a:schemeClr val="bg1"/>
-                </a:solidFill>
-                <a:latin typeface="한컴산뜻돋움" panose="02000000000000000000" pitchFamily="2" charset="-127"/>
-                <a:ea typeface="한컴산뜻돋움" panose="02000000000000000000" pitchFamily="2" charset="-127"/>
-              </a:rPr>
-              <a:t>두더지</a:t>
-            </a:r>
-            <a:r>
-              <a:rPr kumimoji="1" lang="en-US" altLang="ko-KR" sz="1500" dirty="0">
-                <a:solidFill>
-                  <a:schemeClr val="bg1"/>
-                </a:solidFill>
-                <a:latin typeface="한컴산뜻돋움" panose="02000000000000000000" pitchFamily="2" charset="-127"/>
-                <a:ea typeface="한컴산뜻돋움" panose="02000000000000000000" pitchFamily="2" charset="-127"/>
-              </a:rPr>
-              <a:t>, </a:t>
-            </a:r>
-            <a:r>
-              <a:rPr kumimoji="1" lang="ko-KR" altLang="en-US" sz="1500" dirty="0">
-                <a:solidFill>
-                  <a:schemeClr val="bg1"/>
-                </a:solidFill>
-                <a:latin typeface="한컴산뜻돋움" panose="02000000000000000000" pitchFamily="2" charset="-127"/>
-                <a:ea typeface="한컴산뜻돋움" panose="02000000000000000000" pitchFamily="2" charset="-127"/>
-              </a:rPr>
-              <a:t>같은 그림 찾기</a:t>
-            </a:r>
-            <a:r>
-              <a:rPr kumimoji="1" lang="en-US" altLang="ko-KR" sz="1500" dirty="0">
-                <a:solidFill>
-                  <a:schemeClr val="bg1"/>
-                </a:solidFill>
-                <a:latin typeface="한컴산뜻돋움" panose="02000000000000000000" pitchFamily="2" charset="-127"/>
-                <a:ea typeface="한컴산뜻돋움" panose="02000000000000000000" pitchFamily="2" charset="-127"/>
-              </a:rPr>
-              <a:t>, </a:t>
-            </a:r>
-          </a:p>
-          <a:p>
-            <a:pPr algn="ctr"/>
-            <a:r>
-              <a:rPr kumimoji="1" lang="ko-KR" altLang="en-US" sz="1500" dirty="0">
-                <a:solidFill>
-                  <a:schemeClr val="bg1"/>
-                </a:solidFill>
-                <a:latin typeface="한컴산뜻돋움" panose="02000000000000000000" pitchFamily="2" charset="-127"/>
-                <a:ea typeface="한컴산뜻돋움" panose="02000000000000000000" pitchFamily="2" charset="-127"/>
-              </a:rPr>
-              <a:t>버튼 클릭</a:t>
-            </a:r>
-            <a:r>
-              <a:rPr kumimoji="1" lang="en-US" altLang="ko-KR" sz="1500" dirty="0">
-                <a:solidFill>
-                  <a:schemeClr val="bg1"/>
-                </a:solidFill>
-                <a:latin typeface="한컴산뜻돋움" panose="02000000000000000000" pitchFamily="2" charset="-127"/>
-                <a:ea typeface="한컴산뜻돋움" panose="02000000000000000000" pitchFamily="2" charset="-127"/>
-              </a:rPr>
-              <a:t>, </a:t>
-            </a:r>
-            <a:r>
-              <a:rPr kumimoji="1" lang="ko-KR" altLang="en-US" sz="1500" dirty="0">
-                <a:solidFill>
-                  <a:schemeClr val="bg1"/>
-                </a:solidFill>
-                <a:latin typeface="한컴산뜻돋움" panose="02000000000000000000" pitchFamily="2" charset="-127"/>
-                <a:ea typeface="한컴산뜻돋움" panose="02000000000000000000" pitchFamily="2" charset="-127"/>
-              </a:rPr>
-              <a:t>숫자 </a:t>
-            </a:r>
-            <a:r>
-              <a:rPr kumimoji="1" lang="ko-KR" altLang="en-US" sz="1500" dirty="0" err="1">
-                <a:solidFill>
-                  <a:schemeClr val="bg1"/>
-                </a:solidFill>
-                <a:latin typeface="한컴산뜻돋움" panose="02000000000000000000" pitchFamily="2" charset="-127"/>
-                <a:ea typeface="한컴산뜻돋움" panose="02000000000000000000" pitchFamily="2" charset="-127"/>
-              </a:rPr>
-              <a:t>업다운</a:t>
-            </a:r>
-            <a:r>
-              <a:rPr kumimoji="1" lang="en-US" altLang="ko-KR" sz="1500" dirty="0">
-                <a:solidFill>
-                  <a:schemeClr val="bg1"/>
-                </a:solidFill>
-                <a:latin typeface="한컴산뜻돋움" panose="02000000000000000000" pitchFamily="2" charset="-127"/>
-                <a:ea typeface="한컴산뜻돋움" panose="02000000000000000000" pitchFamily="2" charset="-127"/>
-              </a:rPr>
-              <a:t>, </a:t>
-            </a:r>
-            <a:r>
-              <a:rPr kumimoji="1" lang="ko-KR" altLang="en-US" sz="1500" dirty="0">
-                <a:solidFill>
-                  <a:schemeClr val="bg1"/>
-                </a:solidFill>
-                <a:latin typeface="한컴산뜻돋움" panose="02000000000000000000" pitchFamily="2" charset="-127"/>
-                <a:ea typeface="한컴산뜻돋움" panose="02000000000000000000" pitchFamily="2" charset="-127"/>
-              </a:rPr>
-              <a:t>랜덤 게임</a:t>
-            </a:r>
             <a:endParaRPr kumimoji="1" lang="en-US" altLang="ko-KR" sz="1500" dirty="0">
               <a:solidFill>
                 <a:schemeClr val="bg1"/>
               </a:solidFill>
-              <a:latin typeface="한컴산뜻돋움" panose="02000000000000000000" pitchFamily="2" charset="-127"/>
+              <a:latin typeface="굴림체" panose="020B0609000101010101" pitchFamily="49" charset="-127"/>
               <a:ea typeface="한컴산뜻돋움" panose="02000000000000000000" pitchFamily="2" charset="-127"/>
             </a:endParaRPr>
           </a:p>
           <a:p>
-            <a:pPr algn="ctr"/>
+            <a:r>
+              <a:rPr kumimoji="1" lang="ko-KR" altLang="en-US" sz="1500" dirty="0">
+                <a:solidFill>
+                  <a:schemeClr val="bg1"/>
+                </a:solidFill>
+                <a:latin typeface="굴림체" panose="020B0609000101010101" pitchFamily="49" charset="-127"/>
+                <a:ea typeface="한컴산뜻돋움" panose="02000000000000000000" pitchFamily="2" charset="-127"/>
+              </a:rPr>
+              <a:t>게임 선택 </a:t>
+            </a:r>
+            <a:r>
+              <a:rPr kumimoji="1" lang="en-US" altLang="ko-KR" sz="1500" dirty="0">
+                <a:solidFill>
+                  <a:schemeClr val="bg1"/>
+                </a:solidFill>
+                <a:latin typeface="굴림체" panose="020B0609000101010101" pitchFamily="49" charset="-127"/>
+                <a:ea typeface="한컴산뜻돋움" panose="02000000000000000000" pitchFamily="2" charset="-127"/>
+              </a:rPr>
+              <a:t>: </a:t>
+            </a:r>
+            <a:r>
+              <a:rPr kumimoji="1" lang="ko-KR" altLang="en-US" sz="1500" dirty="0">
+                <a:solidFill>
+                  <a:schemeClr val="bg1"/>
+                </a:solidFill>
+                <a:latin typeface="굴림체" panose="020B0609000101010101" pitchFamily="49" charset="-127"/>
+                <a:ea typeface="한컴산뜻돋움" panose="02000000000000000000" pitchFamily="2" charset="-127"/>
+              </a:rPr>
+              <a:t>두더지</a:t>
+            </a:r>
+            <a:r>
+              <a:rPr kumimoji="1" lang="en-US" altLang="ko-KR" sz="1500" dirty="0">
+                <a:solidFill>
+                  <a:schemeClr val="bg1"/>
+                </a:solidFill>
+                <a:latin typeface="굴림체" panose="020B0609000101010101" pitchFamily="49" charset="-127"/>
+                <a:ea typeface="한컴산뜻돋움" panose="02000000000000000000" pitchFamily="2" charset="-127"/>
+              </a:rPr>
+              <a:t>, </a:t>
+            </a:r>
+            <a:r>
+              <a:rPr kumimoji="1" lang="ko-KR" altLang="en-US" sz="1500" dirty="0">
+                <a:solidFill>
+                  <a:schemeClr val="bg1"/>
+                </a:solidFill>
+                <a:latin typeface="굴림체" panose="020B0609000101010101" pitchFamily="49" charset="-127"/>
+                <a:ea typeface="한컴산뜻돋움" panose="02000000000000000000" pitchFamily="2" charset="-127"/>
+              </a:rPr>
+              <a:t>같은 그림 찾기</a:t>
+            </a:r>
+            <a:r>
+              <a:rPr kumimoji="1" lang="en-US" altLang="ko-KR" sz="1500" dirty="0">
+                <a:solidFill>
+                  <a:schemeClr val="bg1"/>
+                </a:solidFill>
+                <a:latin typeface="굴림체" panose="020B0609000101010101" pitchFamily="49" charset="-127"/>
+                <a:ea typeface="한컴산뜻돋움" panose="02000000000000000000" pitchFamily="2" charset="-127"/>
+              </a:rPr>
+              <a:t>, </a:t>
+            </a:r>
+            <a:r>
+              <a:rPr kumimoji="1" lang="ko-KR" altLang="en-US" sz="1500" dirty="0">
+                <a:solidFill>
+                  <a:schemeClr val="bg1"/>
+                </a:solidFill>
+                <a:latin typeface="굴림체" panose="020B0609000101010101" pitchFamily="49" charset="-127"/>
+                <a:ea typeface="한컴산뜻돋움" panose="02000000000000000000" pitchFamily="2" charset="-127"/>
+              </a:rPr>
+              <a:t>버튼 클릭</a:t>
+            </a:r>
+            <a:r>
+              <a:rPr kumimoji="1" lang="en-US" altLang="ko-KR" sz="1500" dirty="0">
+                <a:solidFill>
+                  <a:schemeClr val="bg1"/>
+                </a:solidFill>
+                <a:latin typeface="굴림체" panose="020B0609000101010101" pitchFamily="49" charset="-127"/>
+                <a:ea typeface="한컴산뜻돋움" panose="02000000000000000000" pitchFamily="2" charset="-127"/>
+              </a:rPr>
+              <a:t>, </a:t>
+            </a:r>
+            <a:r>
+              <a:rPr kumimoji="1" lang="ko-KR" altLang="en-US" sz="1500" dirty="0">
+                <a:solidFill>
+                  <a:schemeClr val="bg1"/>
+                </a:solidFill>
+                <a:latin typeface="굴림체" panose="020B0609000101010101" pitchFamily="49" charset="-127"/>
+                <a:ea typeface="한컴산뜻돋움" panose="02000000000000000000" pitchFamily="2" charset="-127"/>
+              </a:rPr>
+              <a:t>숫자 </a:t>
+            </a:r>
+            <a:r>
+              <a:rPr kumimoji="1" lang="ko-KR" altLang="en-US" sz="1500" dirty="0" err="1">
+                <a:solidFill>
+                  <a:schemeClr val="bg1"/>
+                </a:solidFill>
+                <a:latin typeface="굴림체" panose="020B0609000101010101" pitchFamily="49" charset="-127"/>
+                <a:ea typeface="한컴산뜻돋움" panose="02000000000000000000" pitchFamily="2" charset="-127"/>
+              </a:rPr>
+              <a:t>업다운</a:t>
+            </a:r>
+            <a:r>
+              <a:rPr kumimoji="1" lang="en-US" altLang="ko-KR" sz="1500" dirty="0">
+                <a:solidFill>
+                  <a:schemeClr val="bg1"/>
+                </a:solidFill>
+                <a:latin typeface="굴림체" panose="020B0609000101010101" pitchFamily="49" charset="-127"/>
+                <a:ea typeface="한컴산뜻돋움" panose="02000000000000000000" pitchFamily="2" charset="-127"/>
+              </a:rPr>
+              <a:t>, </a:t>
+            </a:r>
+          </a:p>
+          <a:p>
+            <a:r>
+              <a:rPr kumimoji="1" lang="ko-KR" altLang="en-US" sz="1500" dirty="0">
+                <a:solidFill>
+                  <a:schemeClr val="bg1"/>
+                </a:solidFill>
+                <a:latin typeface="굴림체" panose="020B0609000101010101" pitchFamily="49" charset="-127"/>
+                <a:ea typeface="한컴산뜻돋움" panose="02000000000000000000" pitchFamily="2" charset="-127"/>
+              </a:rPr>
+              <a:t>랜덤 게임</a:t>
+            </a:r>
             <a:endParaRPr kumimoji="1" lang="en-US" altLang="ko-KR" sz="1500" dirty="0">
               <a:solidFill>
                 <a:schemeClr val="bg1"/>
               </a:solidFill>
-              <a:latin typeface="한컴산뜻돋움" panose="02000000000000000000" pitchFamily="2" charset="-127"/>
+              <a:latin typeface="굴림체" panose="020B0609000101010101" pitchFamily="49" charset="-127"/>
               <a:ea typeface="한컴산뜻돋움" panose="02000000000000000000" pitchFamily="2" charset="-127"/>
             </a:endParaRPr>
           </a:p>
           <a:p>
-            <a:pPr algn="ctr"/>
-            <a:r>
-              <a:rPr kumimoji="1" lang="ko-KR" altLang="en-US" sz="1500" dirty="0">
-                <a:solidFill>
-                  <a:schemeClr val="bg1"/>
-                </a:solidFill>
-                <a:latin typeface="한컴산뜻돋움" panose="02000000000000000000" pitchFamily="2" charset="-127"/>
-                <a:ea typeface="한컴산뜻돋움" panose="02000000000000000000" pitchFamily="2" charset="-127"/>
-              </a:rPr>
-              <a:t>최고 기록 달성 </a:t>
-            </a:r>
-            <a:r>
-              <a:rPr kumimoji="1" lang="en-US" altLang="ko-KR" sz="1500" dirty="0">
-                <a:solidFill>
-                  <a:schemeClr val="bg1"/>
-                </a:solidFill>
-                <a:latin typeface="한컴산뜻돋움" panose="02000000000000000000" pitchFamily="2" charset="-127"/>
-                <a:ea typeface="한컴산뜻돋움" panose="02000000000000000000" pitchFamily="2" charset="-127"/>
-              </a:rPr>
-              <a:t>:</a:t>
-            </a:r>
-            <a:r>
-              <a:rPr kumimoji="1" lang="ko-KR" altLang="en-US" sz="1500" dirty="0">
-                <a:solidFill>
-                  <a:schemeClr val="bg1"/>
-                </a:solidFill>
-                <a:latin typeface="한컴산뜻돋움" panose="02000000000000000000" pitchFamily="2" charset="-127"/>
-                <a:ea typeface="한컴산뜻돋움" panose="02000000000000000000" pitchFamily="2" charset="-127"/>
-              </a:rPr>
-              <a:t> 파이널 점수 부여 및 보너스 게임 진행</a:t>
-            </a:r>
             <a:endParaRPr kumimoji="1" lang="en-US" altLang="ko-KR" sz="1500" dirty="0">
               <a:solidFill>
                 <a:schemeClr val="bg1"/>
               </a:solidFill>
-              <a:latin typeface="한컴산뜻돋움" panose="02000000000000000000" pitchFamily="2" charset="-127"/>
+              <a:latin typeface="굴림체" panose="020B0609000101010101" pitchFamily="49" charset="-127"/>
               <a:ea typeface="한컴산뜻돋움" panose="02000000000000000000" pitchFamily="2" charset="-127"/>
             </a:endParaRPr>
           </a:p>
           <a:p>
-            <a:pPr algn="ctr"/>
+            <a:r>
+              <a:rPr kumimoji="1" lang="ko-KR" altLang="en-US" sz="1500" dirty="0">
+                <a:solidFill>
+                  <a:schemeClr val="bg1"/>
+                </a:solidFill>
+                <a:latin typeface="굴림체" panose="020B0609000101010101" pitchFamily="49" charset="-127"/>
+                <a:ea typeface="한컴산뜻돋움" panose="02000000000000000000" pitchFamily="2" charset="-127"/>
+              </a:rPr>
+              <a:t>최고 기록 달성 </a:t>
+            </a:r>
+            <a:r>
+              <a:rPr kumimoji="1" lang="en-US" altLang="ko-KR" sz="1500" dirty="0">
+                <a:solidFill>
+                  <a:schemeClr val="bg1"/>
+                </a:solidFill>
+                <a:latin typeface="굴림체" panose="020B0609000101010101" pitchFamily="49" charset="-127"/>
+                <a:ea typeface="한컴산뜻돋움" panose="02000000000000000000" pitchFamily="2" charset="-127"/>
+              </a:rPr>
+              <a:t>:</a:t>
+            </a:r>
+            <a:r>
+              <a:rPr kumimoji="1" lang="ko-KR" altLang="en-US" sz="1500" dirty="0">
+                <a:solidFill>
+                  <a:schemeClr val="bg1"/>
+                </a:solidFill>
+                <a:latin typeface="굴림체" panose="020B0609000101010101" pitchFamily="49" charset="-127"/>
+                <a:ea typeface="한컴산뜻돋움" panose="02000000000000000000" pitchFamily="2" charset="-127"/>
+              </a:rPr>
+              <a:t> 미니게임에서 최고 기록을 갱신 했을 때 파이널 점수 부여 및 보너스 게임 진행</a:t>
+            </a:r>
             <a:endParaRPr kumimoji="1" lang="en-US" altLang="ko-KR" sz="1500" dirty="0">
               <a:solidFill>
                 <a:schemeClr val="bg1"/>
               </a:solidFill>
-              <a:latin typeface="한컴산뜻돋움" panose="02000000000000000000" pitchFamily="2" charset="-127"/>
+              <a:latin typeface="굴림체" panose="020B0609000101010101" pitchFamily="49" charset="-127"/>
               <a:ea typeface="한컴산뜻돋움" panose="02000000000000000000" pitchFamily="2" charset="-127"/>
             </a:endParaRPr>
           </a:p>
           <a:p>
-            <a:pPr algn="ctr"/>
-            <a:r>
-              <a:rPr kumimoji="1" lang="ko-KR" altLang="en-US" sz="1500" dirty="0">
-                <a:solidFill>
-                  <a:schemeClr val="bg1"/>
-                </a:solidFill>
-                <a:latin typeface="한컴산뜻돋움" panose="02000000000000000000" pitchFamily="2" charset="-127"/>
-                <a:ea typeface="한컴산뜻돋움" panose="02000000000000000000" pitchFamily="2" charset="-127"/>
-              </a:rPr>
-              <a:t>보너스 게임 </a:t>
-            </a:r>
-            <a:r>
-              <a:rPr kumimoji="1" lang="en-US" altLang="ko-KR" sz="1500" dirty="0">
-                <a:solidFill>
-                  <a:schemeClr val="bg1"/>
-                </a:solidFill>
-                <a:latin typeface="한컴산뜻돋움" panose="02000000000000000000" pitchFamily="2" charset="-127"/>
-                <a:ea typeface="한컴산뜻돋움" panose="02000000000000000000" pitchFamily="2" charset="-127"/>
-              </a:rPr>
-              <a:t>: </a:t>
-            </a:r>
-            <a:r>
-              <a:rPr kumimoji="1" lang="ko-KR" altLang="en-US" sz="1500" dirty="0">
-                <a:solidFill>
-                  <a:schemeClr val="bg1"/>
-                </a:solidFill>
-                <a:latin typeface="한컴산뜻돋움" panose="02000000000000000000" pitchFamily="2" charset="-127"/>
-                <a:ea typeface="한컴산뜻돋움" panose="02000000000000000000" pitchFamily="2" charset="-127"/>
-              </a:rPr>
-              <a:t>파이널 점수 </a:t>
-            </a:r>
-            <a:r>
-              <a:rPr kumimoji="1" lang="en-US" altLang="ko-KR" sz="1500" dirty="0">
-                <a:solidFill>
-                  <a:schemeClr val="bg1"/>
-                </a:solidFill>
-                <a:latin typeface="한컴산뜻돋움" panose="02000000000000000000" pitchFamily="2" charset="-127"/>
-                <a:ea typeface="한컴산뜻돋움" panose="02000000000000000000" pitchFamily="2" charset="-127"/>
-              </a:rPr>
-              <a:t>+30</a:t>
-            </a:r>
-          </a:p>
-          <a:p>
-            <a:pPr algn="ctr"/>
             <a:endParaRPr kumimoji="1" lang="en-US" altLang="ko-KR" sz="1500" dirty="0">
               <a:solidFill>
                 <a:schemeClr val="bg1"/>
               </a:solidFill>
-              <a:latin typeface="한컴산뜻돋움" panose="02000000000000000000" pitchFamily="2" charset="-127"/>
+              <a:latin typeface="굴림체" panose="020B0609000101010101" pitchFamily="49" charset="-127"/>
               <a:ea typeface="한컴산뜻돋움" panose="02000000000000000000" pitchFamily="2" charset="-127"/>
             </a:endParaRPr>
           </a:p>
           <a:p>
-            <a:pPr algn="ctr"/>
             <a:r>
               <a:rPr kumimoji="1" lang="ko-KR" altLang="en-US" sz="1500" dirty="0">
                 <a:solidFill>
                   <a:schemeClr val="bg1"/>
                 </a:solidFill>
-                <a:latin typeface="한컴산뜻돋움" panose="02000000000000000000" pitchFamily="2" charset="-127"/>
+                <a:latin typeface="굴림체" panose="020B0609000101010101" pitchFamily="49" charset="-127"/>
+                <a:ea typeface="한컴산뜻돋움" panose="02000000000000000000" pitchFamily="2" charset="-127"/>
+              </a:rPr>
+              <a:t>보너스 게임 </a:t>
+            </a:r>
+            <a:r>
+              <a:rPr kumimoji="1" lang="en-US" altLang="ko-KR" sz="1500" dirty="0">
+                <a:solidFill>
+                  <a:schemeClr val="bg1"/>
+                </a:solidFill>
+                <a:latin typeface="굴림체" panose="020B0609000101010101" pitchFamily="49" charset="-127"/>
+                <a:ea typeface="한컴산뜻돋움" panose="02000000000000000000" pitchFamily="2" charset="-127"/>
+              </a:rPr>
+              <a:t>: </a:t>
+            </a:r>
+            <a:r>
+              <a:rPr kumimoji="1" lang="ko-KR" altLang="en-US" sz="1500" dirty="0">
+                <a:solidFill>
+                  <a:schemeClr val="bg1"/>
+                </a:solidFill>
+                <a:latin typeface="굴림체" panose="020B0609000101010101" pitchFamily="49" charset="-127"/>
                 <a:ea typeface="한컴산뜻돋움" panose="02000000000000000000" pitchFamily="2" charset="-127"/>
               </a:rPr>
               <a:t>파이널 점수 </a:t>
@@ -5492,27 +5470,338 @@
                 <a:solidFill>
                   <a:schemeClr val="bg1"/>
                 </a:solidFill>
-                <a:latin typeface="한컴산뜻돋움" panose="02000000000000000000" pitchFamily="2" charset="-127"/>
+                <a:latin typeface="굴림체" panose="020B0609000101010101" pitchFamily="49" charset="-127"/>
                 <a:ea typeface="한컴산뜻돋움" panose="02000000000000000000" pitchFamily="2" charset="-127"/>
               </a:rPr>
-              <a:t>: </a:t>
-            </a:r>
-            <a:r>
-              <a:rPr kumimoji="1" lang="ko-KR" altLang="en-US" sz="1500" dirty="0">
-                <a:solidFill>
-                  <a:schemeClr val="bg1"/>
-                </a:solidFill>
-                <a:latin typeface="한컴산뜻돋움" panose="02000000000000000000" pitchFamily="2" charset="-127"/>
-                <a:ea typeface="한컴산뜻돋움" panose="02000000000000000000" pitchFamily="2" charset="-127"/>
-              </a:rPr>
-              <a:t>캐릭터 오픈</a:t>
-            </a:r>
+              <a:t>+30</a:t>
+            </a:r>
+          </a:p>
+          <a:p>
             <a:endParaRPr kumimoji="1" lang="en-US" altLang="ko-KR" sz="1500" dirty="0">
               <a:solidFill>
                 <a:schemeClr val="bg1"/>
               </a:solidFill>
-              <a:latin typeface="한컴산뜻돋움" panose="02000000000000000000" pitchFamily="2" charset="-127"/>
+              <a:latin typeface="굴림체" panose="020B0609000101010101" pitchFamily="49" charset="-127"/>
               <a:ea typeface="한컴산뜻돋움" panose="02000000000000000000" pitchFamily="2" charset="-127"/>
+            </a:endParaRPr>
+          </a:p>
+          <a:p>
+            <a:r>
+              <a:rPr kumimoji="1" lang="ko-KR" altLang="en-US" sz="1500" dirty="0">
+                <a:solidFill>
+                  <a:schemeClr val="bg1"/>
+                </a:solidFill>
+                <a:latin typeface="굴림체" panose="020B0609000101010101" pitchFamily="49" charset="-127"/>
+                <a:ea typeface="한컴산뜻돋움" panose="02000000000000000000" pitchFamily="2" charset="-127"/>
+              </a:rPr>
+              <a:t>파이널 점수 </a:t>
+            </a:r>
+            <a:r>
+              <a:rPr kumimoji="1" lang="en-US" altLang="ko-KR" sz="1500" dirty="0">
+                <a:solidFill>
+                  <a:schemeClr val="bg1"/>
+                </a:solidFill>
+                <a:latin typeface="굴림체" panose="020B0609000101010101" pitchFamily="49" charset="-127"/>
+                <a:ea typeface="한컴산뜻돋움" panose="02000000000000000000" pitchFamily="2" charset="-127"/>
+              </a:rPr>
+              <a:t>: </a:t>
+            </a:r>
+            <a:r>
+              <a:rPr kumimoji="1" lang="ko-KR" altLang="en-US" sz="1500" dirty="0">
+                <a:solidFill>
+                  <a:schemeClr val="bg1"/>
+                </a:solidFill>
+                <a:latin typeface="굴림체" panose="020B0609000101010101" pitchFamily="49" charset="-127"/>
+                <a:ea typeface="한컴산뜻돋움" panose="02000000000000000000" pitchFamily="2" charset="-127"/>
+              </a:rPr>
+              <a:t>파이널 점수로 </a:t>
+            </a:r>
+            <a:r>
+              <a:rPr kumimoji="1" lang="ko-KR" altLang="en-US" sz="1500" dirty="0" err="1">
+                <a:solidFill>
+                  <a:schemeClr val="bg1"/>
+                </a:solidFill>
+                <a:latin typeface="굴림체" panose="020B0609000101010101" pitchFamily="49" charset="-127"/>
+                <a:ea typeface="한컴산뜻돋움" panose="02000000000000000000" pitchFamily="2" charset="-127"/>
+              </a:rPr>
+              <a:t>십이간지</a:t>
+            </a:r>
+            <a:r>
+              <a:rPr kumimoji="1" lang="ko-KR" altLang="en-US" sz="1500" dirty="0">
+                <a:solidFill>
+                  <a:schemeClr val="bg1"/>
+                </a:solidFill>
+                <a:latin typeface="굴림체" panose="020B0609000101010101" pitchFamily="49" charset="-127"/>
+                <a:ea typeface="한컴산뜻돋움" panose="02000000000000000000" pitchFamily="2" charset="-127"/>
+              </a:rPr>
+              <a:t> 도감의 캐릭터 오픈</a:t>
+            </a:r>
+            <a:endParaRPr kumimoji="1" lang="en-US" altLang="ko-KR" sz="1500" dirty="0">
+              <a:solidFill>
+                <a:schemeClr val="bg1"/>
+              </a:solidFill>
+              <a:latin typeface="굴림체" panose="020B0609000101010101" pitchFamily="49" charset="-127"/>
+              <a:ea typeface="한컴산뜻돋움" panose="02000000000000000000" pitchFamily="2" charset="-127"/>
+            </a:endParaRPr>
+          </a:p>
+        </p:txBody>
+      </p:sp>
+      <p:sp>
+        <p:nvSpPr>
+          <p:cNvPr id="2" name="모서리가 둥근 직사각형 991">
+            <a:extLst>
+              <a:ext uri="{FF2B5EF4-FFF2-40B4-BE49-F238E27FC236}">
+                <a16:creationId xmlns:a16="http://schemas.microsoft.com/office/drawing/2014/main" id="{77964822-2AFB-71DB-BAFC-B4D5455CA7DA}"/>
+              </a:ext>
+            </a:extLst>
+          </p:cNvPr>
+          <p:cNvSpPr/>
+          <p:nvPr/>
+        </p:nvSpPr>
+        <p:spPr>
+          <a:xfrm>
+            <a:off x="406713" y="5352099"/>
+            <a:ext cx="2765112" cy="736546"/>
+          </a:xfrm>
+          <a:prstGeom prst="roundRect">
+            <a:avLst>
+              <a:gd name="adj" fmla="val 19901"/>
+            </a:avLst>
+          </a:prstGeom>
+          <a:solidFill>
+            <a:schemeClr val="tx1">
+              <a:alpha val="29804"/>
+            </a:schemeClr>
+          </a:solidFill>
+          <a:ln>
+            <a:noFill/>
+          </a:ln>
+        </p:spPr>
+        <p:style>
+          <a:lnRef idx="2">
+            <a:schemeClr val="accent1">
+              <a:shade val="50000"/>
+            </a:schemeClr>
+          </a:lnRef>
+          <a:fillRef idx="1">
+            <a:schemeClr val="accent1"/>
+          </a:fillRef>
+          <a:effectRef idx="0">
+            <a:schemeClr val="accent1"/>
+          </a:effectRef>
+          <a:fontRef idx="minor">
+            <a:schemeClr val="lt1"/>
+          </a:fontRef>
+        </p:style>
+        <p:txBody>
+          <a:bodyPr rtlCol="0" anchor="ctr"/>
+          <a:lstStyle/>
+          <a:p>
+            <a:pPr algn="ctr"/>
+            <a:r>
+              <a:rPr kumimoji="1" lang="ko-KR" altLang="en-US" sz="1500" dirty="0">
+                <a:latin typeface="굴림체" panose="020B0609000101010101" pitchFamily="49" charset="-127"/>
+                <a:ea typeface="굴림체" panose="020B0609000101010101" pitchFamily="49" charset="-127"/>
+              </a:rPr>
+              <a:t>안드로이드 스튜디오 </a:t>
+            </a:r>
+            <a:r>
+              <a:rPr kumimoji="1" lang="ko-KR" altLang="en-US" sz="1500" dirty="0" err="1">
+                <a:latin typeface="굴림체" panose="020B0609000101010101" pitchFamily="49" charset="-127"/>
+                <a:ea typeface="굴림체" panose="020B0609000101010101" pitchFamily="49" charset="-127"/>
+              </a:rPr>
+              <a:t>플렛폼</a:t>
+            </a:r>
+            <a:r>
+              <a:rPr kumimoji="1" lang="en-US" altLang="ko-KR" sz="1500" dirty="0">
+                <a:latin typeface="굴림체" panose="020B0609000101010101" pitchFamily="49" charset="-127"/>
+                <a:ea typeface="굴림체" panose="020B0609000101010101" pitchFamily="49" charset="-127"/>
+              </a:rPr>
+              <a:t>,</a:t>
+            </a:r>
+            <a:r>
+              <a:rPr kumimoji="1" lang="ko-KR" altLang="en-US" sz="1500" dirty="0">
+                <a:latin typeface="굴림체" panose="020B0609000101010101" pitchFamily="49" charset="-127"/>
+                <a:ea typeface="굴림체" panose="020B0609000101010101" pitchFamily="49" charset="-127"/>
+              </a:rPr>
+              <a:t>  </a:t>
+            </a:r>
+            <a:r>
+              <a:rPr kumimoji="1" lang="ko-KR" altLang="en-US" sz="1500" dirty="0" err="1">
+                <a:latin typeface="굴림체" panose="020B0609000101010101" pitchFamily="49" charset="-127"/>
+                <a:ea typeface="굴림체" panose="020B0609000101010101" pitchFamily="49" charset="-127"/>
+              </a:rPr>
+              <a:t>코틀린이용</a:t>
+            </a:r>
+            <a:endParaRPr kumimoji="1" lang="ko-Kore-KR" altLang="en-US" sz="1500" dirty="0">
+              <a:latin typeface="굴림체" panose="020B0609000101010101" pitchFamily="49" charset="-127"/>
+              <a:ea typeface="굴림체" panose="020B0609000101010101" pitchFamily="49" charset="-127"/>
+            </a:endParaRPr>
+          </a:p>
+        </p:txBody>
+      </p:sp>
+      <p:sp>
+        <p:nvSpPr>
+          <p:cNvPr id="14" name="TextBox 13">
+            <a:extLst>
+              <a:ext uri="{FF2B5EF4-FFF2-40B4-BE49-F238E27FC236}">
+                <a16:creationId xmlns:a16="http://schemas.microsoft.com/office/drawing/2014/main" id="{1C747401-1DA2-FA7F-02F9-221A0BA91BBC}"/>
+              </a:ext>
+            </a:extLst>
+          </p:cNvPr>
+          <p:cNvSpPr txBox="1"/>
+          <p:nvPr/>
+        </p:nvSpPr>
+        <p:spPr>
+          <a:xfrm>
+            <a:off x="5598317" y="4664646"/>
+            <a:ext cx="1840708" cy="1246495"/>
+          </a:xfrm>
+          <a:prstGeom prst="rect">
+            <a:avLst/>
+          </a:prstGeom>
+          <a:noFill/>
+        </p:spPr>
+        <p:txBody>
+          <a:bodyPr wrap="square" rtlCol="0">
+            <a:spAutoFit/>
+          </a:bodyPr>
+          <a:lstStyle/>
+          <a:p>
+            <a:r>
+              <a:rPr lang="ko-KR" altLang="en-US" sz="1500" dirty="0">
+                <a:solidFill>
+                  <a:schemeClr val="bg1"/>
+                </a:solidFill>
+                <a:latin typeface="굴림체" panose="020B0609000101010101" pitchFamily="49" charset="-127"/>
+                <a:ea typeface="굴림체" panose="020B0609000101010101" pitchFamily="49" charset="-127"/>
+              </a:rPr>
+              <a:t>미니게임들을 기록과 함께 간단하게 </a:t>
+            </a:r>
+            <a:endParaRPr lang="en-US" altLang="ko-KR" sz="1500" dirty="0">
+              <a:solidFill>
+                <a:schemeClr val="bg1"/>
+              </a:solidFill>
+              <a:latin typeface="굴림체" panose="020B0609000101010101" pitchFamily="49" charset="-127"/>
+              <a:ea typeface="굴림체" panose="020B0609000101010101" pitchFamily="49" charset="-127"/>
+            </a:endParaRPr>
+          </a:p>
+          <a:p>
+            <a:r>
+              <a:rPr lang="ko-KR" altLang="en-US" sz="1500" dirty="0">
+                <a:solidFill>
+                  <a:schemeClr val="bg1"/>
+                </a:solidFill>
+                <a:latin typeface="굴림체" panose="020B0609000101010101" pitchFamily="49" charset="-127"/>
+                <a:ea typeface="굴림체" panose="020B0609000101010101" pitchFamily="49" charset="-127"/>
+              </a:rPr>
+              <a:t>즐길 수 있는 </a:t>
+            </a:r>
+            <a:endParaRPr lang="en-US" altLang="ko-KR" sz="1500" dirty="0">
+              <a:solidFill>
+                <a:schemeClr val="bg1"/>
+              </a:solidFill>
+              <a:latin typeface="굴림체" panose="020B0609000101010101" pitchFamily="49" charset="-127"/>
+              <a:ea typeface="굴림체" panose="020B0609000101010101" pitchFamily="49" charset="-127"/>
+            </a:endParaRPr>
+          </a:p>
+          <a:p>
+            <a:r>
+              <a:rPr lang="ko-KR" altLang="en-US" sz="1500" dirty="0">
+                <a:solidFill>
+                  <a:schemeClr val="bg1"/>
+                </a:solidFill>
+                <a:latin typeface="굴림체" panose="020B0609000101010101" pitchFamily="49" charset="-127"/>
+                <a:ea typeface="굴림체" panose="020B0609000101010101" pitchFamily="49" charset="-127"/>
+              </a:rPr>
+              <a:t>어플리케이션</a:t>
+            </a:r>
+          </a:p>
+        </p:txBody>
+      </p:sp>
+      <p:sp>
+        <p:nvSpPr>
+          <p:cNvPr id="19" name="모서리가 둥근 직사각형 1013">
+            <a:extLst>
+              <a:ext uri="{FF2B5EF4-FFF2-40B4-BE49-F238E27FC236}">
+                <a16:creationId xmlns:a16="http://schemas.microsoft.com/office/drawing/2014/main" id="{1BD3B21D-85DB-1843-80E5-F38DE95CA9DB}"/>
+              </a:ext>
+            </a:extLst>
+          </p:cNvPr>
+          <p:cNvSpPr/>
+          <p:nvPr/>
+        </p:nvSpPr>
+        <p:spPr>
+          <a:xfrm>
+            <a:off x="556923" y="8643768"/>
+            <a:ext cx="2635056" cy="488218"/>
+          </a:xfrm>
+          <a:prstGeom prst="roundRect">
+            <a:avLst>
+              <a:gd name="adj" fmla="val 17608"/>
+            </a:avLst>
+          </a:prstGeom>
+          <a:solidFill>
+            <a:srgbClr val="000000">
+              <a:alpha val="30000"/>
+            </a:srgbClr>
+          </a:solidFill>
+          <a:ln>
+            <a:noFill/>
+          </a:ln>
+        </p:spPr>
+        <p:style>
+          <a:lnRef idx="2">
+            <a:schemeClr val="accent1">
+              <a:shade val="50000"/>
+            </a:schemeClr>
+          </a:lnRef>
+          <a:fillRef idx="1">
+            <a:schemeClr val="accent1"/>
+          </a:fillRef>
+          <a:effectRef idx="0">
+            <a:schemeClr val="accent1"/>
+          </a:effectRef>
+          <a:fontRef idx="minor">
+            <a:schemeClr val="lt1"/>
+          </a:fontRef>
+        </p:style>
+        <p:txBody>
+          <a:bodyPr rtlCol="0" anchor="ctr"/>
+          <a:lstStyle/>
+          <a:p>
+            <a:pPr algn="ctr"/>
+            <a:r>
+              <a:rPr kumimoji="1" lang="ko-KR" altLang="en-US" sz="1500" dirty="0" err="1">
+                <a:latin typeface="굴림체" panose="020B0609000101010101" pitchFamily="49" charset="-127"/>
+                <a:ea typeface="굴림체" panose="020B0609000101010101" pitchFamily="49" charset="-127"/>
+              </a:rPr>
+              <a:t>십이간지</a:t>
+            </a:r>
+            <a:r>
+              <a:rPr kumimoji="1" lang="ko-KR" altLang="en-US" sz="1500" dirty="0">
+                <a:latin typeface="굴림체" panose="020B0609000101010101" pitchFamily="49" charset="-127"/>
+                <a:ea typeface="굴림체" panose="020B0609000101010101" pitchFamily="49" charset="-127"/>
+              </a:rPr>
+              <a:t> 도감</a:t>
+            </a:r>
+            <a:r>
+              <a:rPr kumimoji="1" lang="en-US" altLang="ko-KR" sz="1500" dirty="0">
+                <a:latin typeface="굴림체" panose="020B0609000101010101" pitchFamily="49" charset="-127"/>
+                <a:ea typeface="굴림체" panose="020B0609000101010101" pitchFamily="49" charset="-127"/>
+              </a:rPr>
+              <a:t>, </a:t>
+            </a:r>
+            <a:r>
+              <a:rPr kumimoji="1" lang="ko-KR" altLang="en-US" sz="1500" dirty="0">
+                <a:latin typeface="굴림체" panose="020B0609000101010101" pitchFamily="49" charset="-127"/>
+                <a:ea typeface="굴림체" panose="020B0609000101010101" pitchFamily="49" charset="-127"/>
+              </a:rPr>
+              <a:t>미니게임 실행화면 </a:t>
+            </a:r>
+            <a:endParaRPr kumimoji="1" lang="ko-Kore-KR" altLang="en-US" sz="1500" dirty="0">
+              <a:latin typeface="굴림체" panose="020B0609000101010101" pitchFamily="49" charset="-127"/>
+              <a:ea typeface="굴림체" panose="020B0609000101010101" pitchFamily="49" charset="-127"/>
             </a:endParaRPr>
           </a:p>
         </p:txBody>

--- a/SW전시회 판넬_바다와아이1.pptx
+++ b/SW전시회 판넬_바다와아이1.pptx
@@ -4619,8 +4619,8 @@
         </p:nvSpPr>
         <p:spPr>
           <a:xfrm>
-            <a:off x="5397973" y="4262288"/>
-            <a:ext cx="1899199" cy="523220"/>
+            <a:off x="5401709" y="4381853"/>
+            <a:ext cx="1899199" cy="338554"/>
           </a:xfrm>
           <a:prstGeom prst="rect">
             <a:avLst/>
@@ -4635,7 +4635,7 @@
           <a:p>
             <a:pPr algn="ctr"/>
             <a:r>
-              <a:rPr kumimoji="1" lang="ko-KR" altLang="en-US" sz="1400" dirty="0">
+              <a:rPr kumimoji="1" lang="ko-KR" altLang="en-US" sz="1600" b="1" dirty="0">
                 <a:solidFill>
                   <a:schemeClr val="bg1"/>
                 </a:solidFill>
@@ -4644,17 +4644,7 @@
               </a:rPr>
               <a:t>미니게임 모음집</a:t>
             </a:r>
-            <a:endParaRPr kumimoji="1" lang="en-US" altLang="ko-KR" sz="1400" dirty="0">
-              <a:solidFill>
-                <a:schemeClr val="bg1"/>
-              </a:solidFill>
-              <a:latin typeface="한컴산뜻돋움" panose="02000000000000000000" pitchFamily="2" charset="-127"/>
-              <a:ea typeface="한컴산뜻돋움" panose="02000000000000000000" pitchFamily="2" charset="-127"/>
-            </a:endParaRPr>
-          </a:p>
-          <a:p>
-            <a:pPr algn="ctr"/>
-            <a:endParaRPr kumimoji="1" lang="en-US" altLang="en-US" sz="1400" dirty="0">
+            <a:endParaRPr kumimoji="1" lang="en-US" altLang="ko-KR" sz="1600" b="1" dirty="0">
               <a:solidFill>
                 <a:schemeClr val="bg1"/>
               </a:solidFill>
@@ -5146,8 +5136,8 @@
         </p:nvSpPr>
         <p:spPr>
           <a:xfrm>
-            <a:off x="3870956" y="6585159"/>
-            <a:ext cx="3286637" cy="3554819"/>
+            <a:off x="3870956" y="6556498"/>
+            <a:ext cx="3269971" cy="3554819"/>
           </a:xfrm>
           <a:prstGeom prst="rect">
             <a:avLst/>
@@ -5161,21 +5151,31 @@
           <a:lstStyle/>
           <a:p>
             <a:r>
-              <a:rPr kumimoji="1" lang="ko-KR" altLang="en-US" sz="1500" dirty="0">
+              <a:rPr kumimoji="1" lang="ko-KR" altLang="en-US" sz="1500" b="1" dirty="0">
                 <a:solidFill>
                   <a:schemeClr val="bg1"/>
                 </a:solidFill>
-                <a:latin typeface="굴림체" panose="020B0609000101010101" pitchFamily="49" charset="-127"/>
+                <a:latin typeface="한컴산뜻돋움" panose="02000000000000000000" pitchFamily="2" charset="-127"/>
                 <a:ea typeface="한컴산뜻돋움" panose="02000000000000000000" pitchFamily="2" charset="-127"/>
               </a:rPr>
-              <a:t>도감 버튼 </a:t>
+              <a:t>도감</a:t>
+            </a:r>
+            <a:r>
+              <a:rPr kumimoji="1" lang="ko-KR" altLang="en-US" sz="1500" dirty="0">
+                <a:solidFill>
+                  <a:schemeClr val="bg1"/>
+                </a:solidFill>
+                <a:latin typeface="한컴산뜻돋움" panose="02000000000000000000" pitchFamily="2" charset="-127"/>
+                <a:ea typeface="한컴산뜻돋움" panose="02000000000000000000" pitchFamily="2" charset="-127"/>
+              </a:rPr>
+              <a:t> 버튼 </a:t>
             </a:r>
             <a:r>
               <a:rPr kumimoji="1" lang="en-US" altLang="ko-KR" sz="1500" dirty="0">
                 <a:solidFill>
                   <a:schemeClr val="bg1"/>
                 </a:solidFill>
-                <a:latin typeface="굴림체" panose="020B0609000101010101" pitchFamily="49" charset="-127"/>
+                <a:latin typeface="한컴산뜻돋움" panose="02000000000000000000" pitchFamily="2" charset="-127"/>
                 <a:ea typeface="한컴산뜻돋움" panose="02000000000000000000" pitchFamily="2" charset="-127"/>
               </a:rPr>
               <a:t>:</a:t>
@@ -5185,7 +5185,7 @@
                 <a:solidFill>
                   <a:schemeClr val="bg1"/>
                 </a:solidFill>
-                <a:latin typeface="굴림체" panose="020B0609000101010101" pitchFamily="49" charset="-127"/>
+                <a:latin typeface="한컴산뜻돋움" panose="02000000000000000000" pitchFamily="2" charset="-127"/>
                 <a:ea typeface="한컴산뜻돋움" panose="02000000000000000000" pitchFamily="2" charset="-127"/>
               </a:rPr>
               <a:t> </a:t>
@@ -5195,7 +5195,7 @@
                 <a:solidFill>
                   <a:schemeClr val="bg1"/>
                 </a:solidFill>
-                <a:latin typeface="굴림체" panose="020B0609000101010101" pitchFamily="49" charset="-127"/>
+                <a:latin typeface="한컴산뜻돋움" panose="02000000000000000000" pitchFamily="2" charset="-127"/>
                 <a:ea typeface="한컴산뜻돋움" panose="02000000000000000000" pitchFamily="2" charset="-127"/>
               </a:rPr>
               <a:t>십이간지</a:t>
@@ -5205,7 +5205,7 @@
                 <a:solidFill>
                   <a:schemeClr val="bg1"/>
                 </a:solidFill>
-                <a:latin typeface="굴림체" panose="020B0609000101010101" pitchFamily="49" charset="-127"/>
+                <a:latin typeface="한컴산뜻돋움" panose="02000000000000000000" pitchFamily="2" charset="-127"/>
                 <a:ea typeface="한컴산뜻돋움" panose="02000000000000000000" pitchFamily="2" charset="-127"/>
               </a:rPr>
               <a:t> 캐릭터 도감 </a:t>
@@ -5214,7 +5214,7 @@
               <a:solidFill>
                 <a:schemeClr val="bg1"/>
               </a:solidFill>
-              <a:latin typeface="굴림체" panose="020B0609000101010101" pitchFamily="49" charset="-127"/>
+              <a:latin typeface="한컴산뜻돋움" panose="02000000000000000000" pitchFamily="2" charset="-127"/>
               <a:ea typeface="한컴산뜻돋움" panose="02000000000000000000" pitchFamily="2" charset="-127"/>
             </a:endParaRPr>
           </a:p>
@@ -5224,7 +5224,7 @@
                 <a:solidFill>
                   <a:schemeClr val="bg1"/>
                 </a:solidFill>
-                <a:latin typeface="굴림체" panose="020B0609000101010101" pitchFamily="49" charset="-127"/>
+                <a:latin typeface="한컴산뜻돋움" panose="02000000000000000000" pitchFamily="2" charset="-127"/>
                 <a:ea typeface="한컴산뜻돋움" panose="02000000000000000000" pitchFamily="2" charset="-127"/>
               </a:rPr>
               <a:t>확인</a:t>
@@ -5233,7 +5233,7 @@
               <a:solidFill>
                 <a:schemeClr val="bg1"/>
               </a:solidFill>
-              <a:latin typeface="굴림체" panose="020B0609000101010101" pitchFamily="49" charset="-127"/>
+              <a:latin typeface="한컴산뜻돋움" panose="02000000000000000000" pitchFamily="2" charset="-127"/>
               <a:ea typeface="한컴산뜻돋움" panose="02000000000000000000" pitchFamily="2" charset="-127"/>
             </a:endParaRPr>
           </a:p>
@@ -5242,17 +5242,17 @@
               <a:solidFill>
                 <a:schemeClr val="bg1"/>
               </a:solidFill>
-              <a:latin typeface="굴림체" panose="020B0609000101010101" pitchFamily="49" charset="-127"/>
+              <a:latin typeface="한컴산뜻돋움" panose="02000000000000000000" pitchFamily="2" charset="-127"/>
               <a:ea typeface="한컴산뜻돋움" panose="02000000000000000000" pitchFamily="2" charset="-127"/>
             </a:endParaRPr>
           </a:p>
           <a:p>
             <a:r>
-              <a:rPr kumimoji="1" lang="ko-KR" altLang="en-US" sz="1500" dirty="0">
+              <a:rPr kumimoji="1" lang="ko-KR" altLang="en-US" sz="1500" b="1" dirty="0">
                 <a:solidFill>
                   <a:schemeClr val="bg1"/>
                 </a:solidFill>
-                <a:latin typeface="굴림체" panose="020B0609000101010101" pitchFamily="49" charset="-127"/>
+                <a:latin typeface="한컴산뜻돋움" panose="02000000000000000000" pitchFamily="2" charset="-127"/>
                 <a:ea typeface="한컴산뜻돋움" panose="02000000000000000000" pitchFamily="2" charset="-127"/>
               </a:rPr>
               <a:t>게임 선택 </a:t>
@@ -5262,7 +5262,7 @@
                 <a:solidFill>
                   <a:schemeClr val="bg1"/>
                 </a:solidFill>
-                <a:latin typeface="굴림체" panose="020B0609000101010101" pitchFamily="49" charset="-127"/>
+                <a:latin typeface="한컴산뜻돋움" panose="02000000000000000000" pitchFamily="2" charset="-127"/>
                 <a:ea typeface="한컴산뜻돋움" panose="02000000000000000000" pitchFamily="2" charset="-127"/>
               </a:rPr>
               <a:t>: </a:t>
@@ -5272,7 +5272,7 @@
                 <a:solidFill>
                   <a:schemeClr val="bg1"/>
                 </a:solidFill>
-                <a:latin typeface="굴림체" panose="020B0609000101010101" pitchFamily="49" charset="-127"/>
+                <a:latin typeface="한컴산뜻돋움" panose="02000000000000000000" pitchFamily="2" charset="-127"/>
                 <a:ea typeface="한컴산뜻돋움" panose="02000000000000000000" pitchFamily="2" charset="-127"/>
               </a:rPr>
               <a:t>두더지</a:t>
@@ -5282,7 +5282,7 @@
                 <a:solidFill>
                   <a:schemeClr val="bg1"/>
                 </a:solidFill>
-                <a:latin typeface="굴림체" panose="020B0609000101010101" pitchFamily="49" charset="-127"/>
+                <a:latin typeface="한컴산뜻돋움" panose="02000000000000000000" pitchFamily="2" charset="-127"/>
                 <a:ea typeface="한컴산뜻돋움" panose="02000000000000000000" pitchFamily="2" charset="-127"/>
               </a:rPr>
               <a:t>, </a:t>
@@ -5292,7 +5292,7 @@
                 <a:solidFill>
                   <a:schemeClr val="bg1"/>
                 </a:solidFill>
-                <a:latin typeface="굴림체" panose="020B0609000101010101" pitchFamily="49" charset="-127"/>
+                <a:latin typeface="한컴산뜻돋움" panose="02000000000000000000" pitchFamily="2" charset="-127"/>
                 <a:ea typeface="한컴산뜻돋움" panose="02000000000000000000" pitchFamily="2" charset="-127"/>
               </a:rPr>
               <a:t>같은 그림 찾기</a:t>
@@ -5302,7 +5302,7 @@
                 <a:solidFill>
                   <a:schemeClr val="bg1"/>
                 </a:solidFill>
-                <a:latin typeface="굴림체" panose="020B0609000101010101" pitchFamily="49" charset="-127"/>
+                <a:latin typeface="한컴산뜻돋움" panose="02000000000000000000" pitchFamily="2" charset="-127"/>
                 <a:ea typeface="한컴산뜻돋움" panose="02000000000000000000" pitchFamily="2" charset="-127"/>
               </a:rPr>
               <a:t>, </a:t>
@@ -5312,7 +5312,7 @@
                 <a:solidFill>
                   <a:schemeClr val="bg1"/>
                 </a:solidFill>
-                <a:latin typeface="굴림체" panose="020B0609000101010101" pitchFamily="49" charset="-127"/>
+                <a:latin typeface="한컴산뜻돋움" panose="02000000000000000000" pitchFamily="2" charset="-127"/>
                 <a:ea typeface="한컴산뜻돋움" panose="02000000000000000000" pitchFamily="2" charset="-127"/>
               </a:rPr>
               <a:t>버튼 클릭</a:t>
@@ -5322,7 +5322,7 @@
                 <a:solidFill>
                   <a:schemeClr val="bg1"/>
                 </a:solidFill>
-                <a:latin typeface="굴림체" panose="020B0609000101010101" pitchFamily="49" charset="-127"/>
+                <a:latin typeface="한컴산뜻돋움" panose="02000000000000000000" pitchFamily="2" charset="-127"/>
                 <a:ea typeface="한컴산뜻돋움" panose="02000000000000000000" pitchFamily="2" charset="-127"/>
               </a:rPr>
               <a:t>, </a:t>
@@ -5332,7 +5332,7 @@
                 <a:solidFill>
                   <a:schemeClr val="bg1"/>
                 </a:solidFill>
-                <a:latin typeface="굴림체" panose="020B0609000101010101" pitchFamily="49" charset="-127"/>
+                <a:latin typeface="한컴산뜻돋움" panose="02000000000000000000" pitchFamily="2" charset="-127"/>
                 <a:ea typeface="한컴산뜻돋움" panose="02000000000000000000" pitchFamily="2" charset="-127"/>
               </a:rPr>
               <a:t>숫자 </a:t>
@@ -5342,7 +5342,7 @@
                 <a:solidFill>
                   <a:schemeClr val="bg1"/>
                 </a:solidFill>
-                <a:latin typeface="굴림체" panose="020B0609000101010101" pitchFamily="49" charset="-127"/>
+                <a:latin typeface="한컴산뜻돋움" panose="02000000000000000000" pitchFamily="2" charset="-127"/>
                 <a:ea typeface="한컴산뜻돋움" panose="02000000000000000000" pitchFamily="2" charset="-127"/>
               </a:rPr>
               <a:t>업다운</a:t>
@@ -5352,7 +5352,7 @@
                 <a:solidFill>
                   <a:schemeClr val="bg1"/>
                 </a:solidFill>
-                <a:latin typeface="굴림체" panose="020B0609000101010101" pitchFamily="49" charset="-127"/>
+                <a:latin typeface="한컴산뜻돋움" panose="02000000000000000000" pitchFamily="2" charset="-127"/>
                 <a:ea typeface="한컴산뜻돋움" panose="02000000000000000000" pitchFamily="2" charset="-127"/>
               </a:rPr>
               <a:t>, </a:t>
@@ -5364,7 +5364,7 @@
                 <a:solidFill>
                   <a:schemeClr val="bg1"/>
                 </a:solidFill>
-                <a:latin typeface="굴림체" panose="020B0609000101010101" pitchFamily="49" charset="-127"/>
+                <a:latin typeface="한컴산뜻돋움" panose="02000000000000000000" pitchFamily="2" charset="-127"/>
                 <a:ea typeface="한컴산뜻돋움" panose="02000000000000000000" pitchFamily="2" charset="-127"/>
               </a:rPr>
               <a:t>랜덤 게임</a:t>
@@ -5373,7 +5373,7 @@
               <a:solidFill>
                 <a:schemeClr val="bg1"/>
               </a:solidFill>
-              <a:latin typeface="굴림체" panose="020B0609000101010101" pitchFamily="49" charset="-127"/>
+              <a:latin typeface="한컴산뜻돋움" panose="02000000000000000000" pitchFamily="2" charset="-127"/>
               <a:ea typeface="한컴산뜻돋움" panose="02000000000000000000" pitchFamily="2" charset="-127"/>
             </a:endParaRPr>
           </a:p>
@@ -5382,27 +5382,37 @@
               <a:solidFill>
                 <a:schemeClr val="bg1"/>
               </a:solidFill>
-              <a:latin typeface="굴림체" panose="020B0609000101010101" pitchFamily="49" charset="-127"/>
+              <a:latin typeface="한컴산뜻돋움" panose="02000000000000000000" pitchFamily="2" charset="-127"/>
               <a:ea typeface="한컴산뜻돋움" panose="02000000000000000000" pitchFamily="2" charset="-127"/>
             </a:endParaRPr>
           </a:p>
           <a:p>
             <a:r>
-              <a:rPr kumimoji="1" lang="ko-KR" altLang="en-US" sz="1500" dirty="0">
+              <a:rPr kumimoji="1" lang="ko-KR" altLang="en-US" sz="1500" b="1" dirty="0">
                 <a:solidFill>
                   <a:schemeClr val="bg1"/>
                 </a:solidFill>
-                <a:latin typeface="굴림체" panose="020B0609000101010101" pitchFamily="49" charset="-127"/>
+                <a:latin typeface="한컴산뜻돋움" panose="02000000000000000000" pitchFamily="2" charset="-127"/>
                 <a:ea typeface="한컴산뜻돋움" panose="02000000000000000000" pitchFamily="2" charset="-127"/>
               </a:rPr>
-              <a:t>최고 기록 달성 </a:t>
+              <a:t>최고 기록 </a:t>
+            </a:r>
+            <a:r>
+              <a:rPr kumimoji="1" lang="ko-KR" altLang="en-US" sz="1500" dirty="0">
+                <a:solidFill>
+                  <a:schemeClr val="bg1"/>
+                </a:solidFill>
+                <a:latin typeface="한컴산뜻돋움" panose="02000000000000000000" pitchFamily="2" charset="-127"/>
+                <a:ea typeface="한컴산뜻돋움" panose="02000000000000000000" pitchFamily="2" charset="-127"/>
+              </a:rPr>
+              <a:t>달성 </a:t>
             </a:r>
             <a:r>
               <a:rPr kumimoji="1" lang="en-US" altLang="ko-KR" sz="1500" dirty="0">
                 <a:solidFill>
                   <a:schemeClr val="bg1"/>
                 </a:solidFill>
-                <a:latin typeface="굴림체" panose="020B0609000101010101" pitchFamily="49" charset="-127"/>
+                <a:latin typeface="한컴산뜻돋움" panose="02000000000000000000" pitchFamily="2" charset="-127"/>
                 <a:ea typeface="한컴산뜻돋움" panose="02000000000000000000" pitchFamily="2" charset="-127"/>
               </a:rPr>
               <a:t>:</a:t>
@@ -5412,16 +5422,56 @@
                 <a:solidFill>
                   <a:schemeClr val="bg1"/>
                 </a:solidFill>
-                <a:latin typeface="굴림체" panose="020B0609000101010101" pitchFamily="49" charset="-127"/>
+                <a:latin typeface="한컴산뜻돋움" panose="02000000000000000000" pitchFamily="2" charset="-127"/>
                 <a:ea typeface="한컴산뜻돋움" panose="02000000000000000000" pitchFamily="2" charset="-127"/>
               </a:rPr>
-              <a:t> 미니게임에서 최고 기록을 갱신 했을 때 파이널 점수 부여 및 보너스 게임 진행</a:t>
+              <a:t> 미니게임에서 최고 기록을 갱신 했을 때 </a:t>
+            </a:r>
+            <a:r>
+              <a:rPr kumimoji="1" lang="ko-KR" altLang="en-US" sz="1500" b="1" dirty="0">
+                <a:solidFill>
+                  <a:schemeClr val="bg1"/>
+                </a:solidFill>
+                <a:latin typeface="한컴산뜻돋움" panose="02000000000000000000" pitchFamily="2" charset="-127"/>
+                <a:ea typeface="한컴산뜻돋움" panose="02000000000000000000" pitchFamily="2" charset="-127"/>
+              </a:rPr>
+              <a:t>파이널 점수</a:t>
+            </a:r>
+            <a:r>
+              <a:rPr kumimoji="1" lang="ko-KR" altLang="en-US" sz="1500" dirty="0">
+                <a:solidFill>
+                  <a:schemeClr val="bg1"/>
+                </a:solidFill>
+                <a:latin typeface="한컴산뜻돋움" panose="02000000000000000000" pitchFamily="2" charset="-127"/>
+                <a:ea typeface="한컴산뜻돋움" panose="02000000000000000000" pitchFamily="2" charset="-127"/>
+              </a:rPr>
+              <a:t> 부여 및 </a:t>
+            </a:r>
+            <a:r>
+              <a:rPr kumimoji="1" lang="ko-KR" altLang="en-US" sz="1500" b="1" dirty="0">
+                <a:solidFill>
+                  <a:schemeClr val="bg1"/>
+                </a:solidFill>
+                <a:latin typeface="한컴산뜻돋움" panose="02000000000000000000" pitchFamily="2" charset="-127"/>
+                <a:ea typeface="한컴산뜻돋움" panose="02000000000000000000" pitchFamily="2" charset="-127"/>
+              </a:rPr>
+              <a:t>보너스 게임 </a:t>
+            </a:r>
+            <a:r>
+              <a:rPr kumimoji="1" lang="ko-KR" altLang="en-US" sz="1500" dirty="0">
+                <a:solidFill>
+                  <a:schemeClr val="bg1"/>
+                </a:solidFill>
+                <a:latin typeface="한컴산뜻돋움" panose="02000000000000000000" pitchFamily="2" charset="-127"/>
+                <a:ea typeface="한컴산뜻돋움" panose="02000000000000000000" pitchFamily="2" charset="-127"/>
+              </a:rPr>
+              <a:t>진행</a:t>
             </a:r>
             <a:endParaRPr kumimoji="1" lang="en-US" altLang="ko-KR" sz="1500" dirty="0">
               <a:solidFill>
                 <a:schemeClr val="bg1"/>
               </a:solidFill>
-              <a:latin typeface="굴림체" panose="020B0609000101010101" pitchFamily="49" charset="-127"/>
+              <a:latin typeface="한컴산뜻돋움" panose="02000000000000000000" pitchFamily="2" charset="-127"/>
               <a:ea typeface="한컴산뜻돋움" panose="02000000000000000000" pitchFamily="2" charset="-127"/>
             </a:endParaRPr>
           </a:p>
@@ -5430,17 +5480,17 @@
               <a:solidFill>
                 <a:schemeClr val="bg1"/>
               </a:solidFill>
-              <a:latin typeface="굴림체" panose="020B0609000101010101" pitchFamily="49" charset="-127"/>
+              <a:latin typeface="한컴산뜻돋움" panose="02000000000000000000" pitchFamily="2" charset="-127"/>
               <a:ea typeface="한컴산뜻돋움" panose="02000000000000000000" pitchFamily="2" charset="-127"/>
             </a:endParaRPr>
           </a:p>
           <a:p>
             <a:r>
-              <a:rPr kumimoji="1" lang="ko-KR" altLang="en-US" sz="1500" dirty="0">
+              <a:rPr kumimoji="1" lang="ko-KR" altLang="en-US" sz="1500" b="1" dirty="0">
                 <a:solidFill>
                   <a:schemeClr val="bg1"/>
                 </a:solidFill>
-                <a:latin typeface="굴림체" panose="020B0609000101010101" pitchFamily="49" charset="-127"/>
+                <a:latin typeface="한컴산뜻돋움" panose="02000000000000000000" pitchFamily="2" charset="-127"/>
                 <a:ea typeface="한컴산뜻돋움" panose="02000000000000000000" pitchFamily="2" charset="-127"/>
               </a:rPr>
               <a:t>보너스 게임 </a:t>
@@ -5450,7 +5500,7 @@
                 <a:solidFill>
                   <a:schemeClr val="bg1"/>
                 </a:solidFill>
-                <a:latin typeface="굴림체" panose="020B0609000101010101" pitchFamily="49" charset="-127"/>
+                <a:latin typeface="한컴산뜻돋움" panose="02000000000000000000" pitchFamily="2" charset="-127"/>
                 <a:ea typeface="한컴산뜻돋움" panose="02000000000000000000" pitchFamily="2" charset="-127"/>
               </a:rPr>
               <a:t>: </a:t>
@@ -5460,7 +5510,7 @@
                 <a:solidFill>
                   <a:schemeClr val="bg1"/>
                 </a:solidFill>
-                <a:latin typeface="굴림체" panose="020B0609000101010101" pitchFamily="49" charset="-127"/>
+                <a:latin typeface="한컴산뜻돋움" panose="02000000000000000000" pitchFamily="2" charset="-127"/>
                 <a:ea typeface="한컴산뜻돋움" panose="02000000000000000000" pitchFamily="2" charset="-127"/>
               </a:rPr>
               <a:t>파이널 점수 </a:t>
@@ -5470,7 +5520,7 @@
                 <a:solidFill>
                   <a:schemeClr val="bg1"/>
                 </a:solidFill>
-                <a:latin typeface="굴림체" panose="020B0609000101010101" pitchFamily="49" charset="-127"/>
+                <a:latin typeface="한컴산뜻돋움" panose="02000000000000000000" pitchFamily="2" charset="-127"/>
                 <a:ea typeface="한컴산뜻돋움" panose="02000000000000000000" pitchFamily="2" charset="-127"/>
               </a:rPr>
               <a:t>+30</a:t>
@@ -5481,17 +5531,17 @@
               <a:solidFill>
                 <a:schemeClr val="bg1"/>
               </a:solidFill>
-              <a:latin typeface="굴림체" panose="020B0609000101010101" pitchFamily="49" charset="-127"/>
+              <a:latin typeface="한컴산뜻돋움" panose="02000000000000000000" pitchFamily="2" charset="-127"/>
               <a:ea typeface="한컴산뜻돋움" panose="02000000000000000000" pitchFamily="2" charset="-127"/>
             </a:endParaRPr>
           </a:p>
           <a:p>
             <a:r>
-              <a:rPr kumimoji="1" lang="ko-KR" altLang="en-US" sz="1500" dirty="0">
+              <a:rPr kumimoji="1" lang="ko-KR" altLang="en-US" sz="1500" b="1" dirty="0">
                 <a:solidFill>
                   <a:schemeClr val="bg1"/>
                 </a:solidFill>
-                <a:latin typeface="굴림체" panose="020B0609000101010101" pitchFamily="49" charset="-127"/>
+                <a:latin typeface="한컴산뜻돋움" panose="02000000000000000000" pitchFamily="2" charset="-127"/>
                 <a:ea typeface="한컴산뜻돋움" panose="02000000000000000000" pitchFamily="2" charset="-127"/>
               </a:rPr>
               <a:t>파이널 점수 </a:t>
@@ -5501,7 +5551,7 @@
                 <a:solidFill>
                   <a:schemeClr val="bg1"/>
                 </a:solidFill>
-                <a:latin typeface="굴림체" panose="020B0609000101010101" pitchFamily="49" charset="-127"/>
+                <a:latin typeface="한컴산뜻돋움" panose="02000000000000000000" pitchFamily="2" charset="-127"/>
                 <a:ea typeface="한컴산뜻돋움" panose="02000000000000000000" pitchFamily="2" charset="-127"/>
               </a:rPr>
               <a:t>: </a:t>
@@ -5511,7 +5561,7 @@
                 <a:solidFill>
                   <a:schemeClr val="bg1"/>
                 </a:solidFill>
-                <a:latin typeface="굴림체" panose="020B0609000101010101" pitchFamily="49" charset="-127"/>
+                <a:latin typeface="한컴산뜻돋움" panose="02000000000000000000" pitchFamily="2" charset="-127"/>
                 <a:ea typeface="한컴산뜻돋움" panose="02000000000000000000" pitchFamily="2" charset="-127"/>
               </a:rPr>
               <a:t>파이널 점수로 </a:t>
@@ -5521,7 +5571,7 @@
                 <a:solidFill>
                   <a:schemeClr val="bg1"/>
                 </a:solidFill>
-                <a:latin typeface="굴림체" panose="020B0609000101010101" pitchFamily="49" charset="-127"/>
+                <a:latin typeface="한컴산뜻돋움" panose="02000000000000000000" pitchFamily="2" charset="-127"/>
                 <a:ea typeface="한컴산뜻돋움" panose="02000000000000000000" pitchFamily="2" charset="-127"/>
               </a:rPr>
               <a:t>십이간지</a:t>
@@ -5531,7 +5581,7 @@
                 <a:solidFill>
                   <a:schemeClr val="bg1"/>
                 </a:solidFill>
-                <a:latin typeface="굴림체" panose="020B0609000101010101" pitchFamily="49" charset="-127"/>
+                <a:latin typeface="한컴산뜻돋움" panose="02000000000000000000" pitchFamily="2" charset="-127"/>
                 <a:ea typeface="한컴산뜻돋움" panose="02000000000000000000" pitchFamily="2" charset="-127"/>
               </a:rPr>
               <a:t> 도감의 캐릭터 오픈</a:t>
@@ -5540,7 +5590,7 @@
               <a:solidFill>
                 <a:schemeClr val="bg1"/>
               </a:solidFill>
-              <a:latin typeface="굴림체" panose="020B0609000101010101" pitchFamily="49" charset="-127"/>
+              <a:latin typeface="한컴산뜻돋움" panose="02000000000000000000" pitchFamily="2" charset="-127"/>
               <a:ea typeface="한컴산뜻돋움" panose="02000000000000000000" pitchFamily="2" charset="-127"/>
             </a:endParaRPr>
           </a:p>
@@ -5560,8 +5610,8 @@
         </p:nvSpPr>
         <p:spPr>
           <a:xfrm>
-            <a:off x="406713" y="5352099"/>
-            <a:ext cx="2765112" cy="736546"/>
+            <a:off x="239928" y="5335216"/>
+            <a:ext cx="2765112" cy="789875"/>
           </a:xfrm>
           <a:prstGeom prst="roundRect">
             <a:avLst>
@@ -5599,43 +5649,39 @@
           <a:p>
             <a:pPr algn="ctr"/>
             <a:r>
-              <a:rPr kumimoji="1" lang="ko-KR" altLang="en-US" sz="1500" dirty="0">
-                <a:latin typeface="굴림체" panose="020B0609000101010101" pitchFamily="49" charset="-127"/>
-                <a:ea typeface="굴림체" panose="020B0609000101010101" pitchFamily="49" charset="-127"/>
+              <a:rPr kumimoji="1" lang="ko-KR" altLang="en-US" dirty="0" err="1">
+                <a:latin typeface="한컴산뜻돋움" panose="02000000000000000000" pitchFamily="2" charset="-127"/>
+                <a:ea typeface="한컴산뜻돋움" panose="02000000000000000000" pitchFamily="2" charset="-127"/>
               </a:rPr>
-              <a:t>안드로이드 스튜디오 </a:t>
-            </a:r>
-            <a:r>
-              <a:rPr kumimoji="1" lang="ko-KR" altLang="en-US" sz="1500" dirty="0" err="1">
-                <a:latin typeface="굴림체" panose="020B0609000101010101" pitchFamily="49" charset="-127"/>
-                <a:ea typeface="굴림체" panose="020B0609000101010101" pitchFamily="49" charset="-127"/>
+              <a:t>코틀린</a:t>
+            </a:r>
+            <a:r>
+              <a:rPr kumimoji="1" lang="ko-KR" altLang="en-US" dirty="0">
+                <a:latin typeface="한컴산뜻돋움" panose="02000000000000000000" pitchFamily="2" charset="-127"/>
+                <a:ea typeface="한컴산뜻돋움" panose="02000000000000000000" pitchFamily="2" charset="-127"/>
               </a:rPr>
-              <a:t>플렛폼</a:t>
-            </a:r>
-            <a:r>
-              <a:rPr kumimoji="1" lang="en-US" altLang="ko-KR" sz="1500" dirty="0">
-                <a:latin typeface="굴림체" panose="020B0609000101010101" pitchFamily="49" charset="-127"/>
-                <a:ea typeface="굴림체" panose="020B0609000101010101" pitchFamily="49" charset="-127"/>
+              <a:t> 언어</a:t>
+            </a:r>
+            <a:r>
+              <a:rPr kumimoji="1" lang="en-US" altLang="ko-KR" dirty="0">
+                <a:latin typeface="한컴산뜻돋움" panose="02000000000000000000" pitchFamily="2" charset="-127"/>
+                <a:ea typeface="한컴산뜻돋움" panose="02000000000000000000" pitchFamily="2" charset="-127"/>
               </a:rPr>
               <a:t>,</a:t>
             </a:r>
-            <a:r>
-              <a:rPr kumimoji="1" lang="ko-KR" altLang="en-US" sz="1500" dirty="0">
-                <a:latin typeface="굴림체" panose="020B0609000101010101" pitchFamily="49" charset="-127"/>
-                <a:ea typeface="굴림체" panose="020B0609000101010101" pitchFamily="49" charset="-127"/>
+          </a:p>
+          <a:p>
+            <a:pPr algn="ctr"/>
+            <a:r>
+              <a:rPr kumimoji="1" lang="ko-KR" altLang="en-US" dirty="0">
+                <a:latin typeface="한컴산뜻돋움" panose="02000000000000000000" pitchFamily="2" charset="-127"/>
+                <a:ea typeface="한컴산뜻돋움" panose="02000000000000000000" pitchFamily="2" charset="-127"/>
               </a:rPr>
-              <a:t>  </a:t>
-            </a:r>
-            <a:r>
-              <a:rPr kumimoji="1" lang="ko-KR" altLang="en-US" sz="1500" dirty="0" err="1">
-                <a:latin typeface="굴림체" panose="020B0609000101010101" pitchFamily="49" charset="-127"/>
-                <a:ea typeface="굴림체" panose="020B0609000101010101" pitchFamily="49" charset="-127"/>
-              </a:rPr>
-              <a:t>코틀린이용</a:t>
-            </a:r>
-            <a:endParaRPr kumimoji="1" lang="ko-Kore-KR" altLang="en-US" sz="1500" dirty="0">
-              <a:latin typeface="굴림체" panose="020B0609000101010101" pitchFamily="49" charset="-127"/>
-              <a:ea typeface="굴림체" panose="020B0609000101010101" pitchFamily="49" charset="-127"/>
+              <a:t>안드로이드 스튜디오</a:t>
+            </a:r>
+            <a:endParaRPr kumimoji="1" lang="en-US" altLang="ko-KR" dirty="0">
+              <a:latin typeface="한컴산뜻돋움" panose="02000000000000000000" pitchFamily="2" charset="-127"/>
+              <a:ea typeface="한컴산뜻돋움" panose="02000000000000000000" pitchFamily="2" charset="-127"/>
             </a:endParaRPr>
           </a:p>
         </p:txBody>
@@ -5654,8 +5700,8 @@
         </p:nvSpPr>
         <p:spPr>
           <a:xfrm>
-            <a:off x="5598317" y="4664646"/>
-            <a:ext cx="1840708" cy="1246495"/>
+            <a:off x="5422485" y="4802650"/>
+            <a:ext cx="1840708" cy="1323439"/>
           </a:xfrm>
           <a:prstGeom prst="rect">
             <a:avLst/>
@@ -5668,51 +5714,54 @@
           </a:bodyPr>
           <a:lstStyle/>
           <a:p>
-            <a:r>
-              <a:rPr lang="ko-KR" altLang="en-US" sz="1500" dirty="0">
+            <a:pPr algn="ctr"/>
+            <a:r>
+              <a:rPr lang="ko-KR" altLang="en-US" sz="1600" dirty="0">
                 <a:solidFill>
                   <a:schemeClr val="bg1"/>
                 </a:solidFill>
-                <a:latin typeface="굴림체" panose="020B0609000101010101" pitchFamily="49" charset="-127"/>
-                <a:ea typeface="굴림체" panose="020B0609000101010101" pitchFamily="49" charset="-127"/>
+                <a:latin typeface="한컴산뜻돋움" panose="02000000000000000000" pitchFamily="2" charset="-127"/>
+                <a:ea typeface="한컴산뜻돋움" panose="02000000000000000000" pitchFamily="2" charset="-127"/>
               </a:rPr>
               <a:t>미니게임들을 기록과 함께 간단하게 </a:t>
             </a:r>
-            <a:endParaRPr lang="en-US" altLang="ko-KR" sz="1500" dirty="0">
+            <a:endParaRPr lang="en-US" altLang="ko-KR" sz="1600" dirty="0">
               <a:solidFill>
                 <a:schemeClr val="bg1"/>
               </a:solidFill>
-              <a:latin typeface="굴림체" panose="020B0609000101010101" pitchFamily="49" charset="-127"/>
-              <a:ea typeface="굴림체" panose="020B0609000101010101" pitchFamily="49" charset="-127"/>
+              <a:latin typeface="한컴산뜻돋움" panose="02000000000000000000" pitchFamily="2" charset="-127"/>
+              <a:ea typeface="한컴산뜻돋움" panose="02000000000000000000" pitchFamily="2" charset="-127"/>
             </a:endParaRPr>
           </a:p>
           <a:p>
-            <a:r>
-              <a:rPr lang="ko-KR" altLang="en-US" sz="1500" dirty="0">
+            <a:pPr algn="ctr"/>
+            <a:r>
+              <a:rPr lang="ko-KR" altLang="en-US" sz="1600" dirty="0">
                 <a:solidFill>
                   <a:schemeClr val="bg1"/>
                 </a:solidFill>
-                <a:latin typeface="굴림체" panose="020B0609000101010101" pitchFamily="49" charset="-127"/>
-                <a:ea typeface="굴림체" panose="020B0609000101010101" pitchFamily="49" charset="-127"/>
+                <a:latin typeface="한컴산뜻돋움" panose="02000000000000000000" pitchFamily="2" charset="-127"/>
+                <a:ea typeface="한컴산뜻돋움" panose="02000000000000000000" pitchFamily="2" charset="-127"/>
               </a:rPr>
               <a:t>즐길 수 있는 </a:t>
             </a:r>
-            <a:endParaRPr lang="en-US" altLang="ko-KR" sz="1500" dirty="0">
+            <a:endParaRPr lang="en-US" altLang="ko-KR" sz="1600" dirty="0">
               <a:solidFill>
                 <a:schemeClr val="bg1"/>
               </a:solidFill>
-              <a:latin typeface="굴림체" panose="020B0609000101010101" pitchFamily="49" charset="-127"/>
-              <a:ea typeface="굴림체" panose="020B0609000101010101" pitchFamily="49" charset="-127"/>
+              <a:latin typeface="한컴산뜻돋움" panose="02000000000000000000" pitchFamily="2" charset="-127"/>
+              <a:ea typeface="한컴산뜻돋움" panose="02000000000000000000" pitchFamily="2" charset="-127"/>
             </a:endParaRPr>
           </a:p>
           <a:p>
-            <a:r>
-              <a:rPr lang="ko-KR" altLang="en-US" sz="1500" dirty="0">
+            <a:pPr algn="ctr"/>
+            <a:r>
+              <a:rPr lang="ko-KR" altLang="en-US" sz="1600" dirty="0">
                 <a:solidFill>
                   <a:schemeClr val="bg1"/>
                 </a:solidFill>
-                <a:latin typeface="굴림체" panose="020B0609000101010101" pitchFamily="49" charset="-127"/>
-                <a:ea typeface="굴림체" panose="020B0609000101010101" pitchFamily="49" charset="-127"/>
+                <a:latin typeface="한컴산뜻돋움" panose="02000000000000000000" pitchFamily="2" charset="-127"/>
+                <a:ea typeface="한컴산뜻돋움" panose="02000000000000000000" pitchFamily="2" charset="-127"/>
               </a:rPr>
               <a:t>어플리케이션</a:t>
             </a:r>
@@ -5733,8 +5782,8 @@
         </p:nvSpPr>
         <p:spPr>
           <a:xfrm>
-            <a:off x="556923" y="8643768"/>
-            <a:ext cx="2635056" cy="488218"/>
+            <a:off x="556923" y="8753612"/>
+            <a:ext cx="2614902" cy="773363"/>
           </a:xfrm>
           <a:prstGeom prst="roundRect">
             <a:avLst>
@@ -5772,36 +5821,46 @@
           <a:p>
             <a:pPr algn="ctr"/>
             <a:r>
-              <a:rPr kumimoji="1" lang="ko-KR" altLang="en-US" sz="1500" dirty="0" err="1">
-                <a:latin typeface="굴림체" panose="020B0609000101010101" pitchFamily="49" charset="-127"/>
-                <a:ea typeface="굴림체" panose="020B0609000101010101" pitchFamily="49" charset="-127"/>
+              <a:rPr kumimoji="1" lang="ko-KR" altLang="en-US" dirty="0" err="1">
+                <a:latin typeface="한컴산뜻돋움" panose="02000000000000000000" pitchFamily="2" charset="-127"/>
+                <a:ea typeface="한컴산뜻돋움" panose="02000000000000000000" pitchFamily="2" charset="-127"/>
               </a:rPr>
               <a:t>십이간지</a:t>
             </a:r>
             <a:r>
-              <a:rPr kumimoji="1" lang="ko-KR" altLang="en-US" sz="1500" dirty="0">
-                <a:latin typeface="굴림체" panose="020B0609000101010101" pitchFamily="49" charset="-127"/>
-                <a:ea typeface="굴림체" panose="020B0609000101010101" pitchFamily="49" charset="-127"/>
+              <a:rPr kumimoji="1" lang="ko-KR" altLang="en-US" dirty="0">
+                <a:latin typeface="한컴산뜻돋움" panose="02000000000000000000" pitchFamily="2" charset="-127"/>
+                <a:ea typeface="한컴산뜻돋움" panose="02000000000000000000" pitchFamily="2" charset="-127"/>
               </a:rPr>
               <a:t> 도감</a:t>
             </a:r>
             <a:r>
-              <a:rPr kumimoji="1" lang="en-US" altLang="ko-KR" sz="1500" dirty="0">
-                <a:latin typeface="굴림체" panose="020B0609000101010101" pitchFamily="49" charset="-127"/>
-                <a:ea typeface="굴림체" panose="020B0609000101010101" pitchFamily="49" charset="-127"/>
+              <a:rPr kumimoji="1" lang="en-US" altLang="ko-KR" dirty="0">
+                <a:latin typeface="한컴산뜻돋움" panose="02000000000000000000" pitchFamily="2" charset="-127"/>
+                <a:ea typeface="한컴산뜻돋움" panose="02000000000000000000" pitchFamily="2" charset="-127"/>
               </a:rPr>
-              <a:t>, </a:t>
-            </a:r>
-            <a:r>
-              <a:rPr kumimoji="1" lang="ko-KR" altLang="en-US" sz="1500" dirty="0">
-                <a:latin typeface="굴림체" panose="020B0609000101010101" pitchFamily="49" charset="-127"/>
-                <a:ea typeface="굴림체" panose="020B0609000101010101" pitchFamily="49" charset="-127"/>
+              <a:t>,</a:t>
+            </a:r>
+          </a:p>
+          <a:p>
+            <a:pPr algn="ctr"/>
+            <a:r>
+              <a:rPr kumimoji="1" lang="en-US" altLang="ko-KR" dirty="0">
+                <a:latin typeface="한컴산뜻돋움" panose="02000000000000000000" pitchFamily="2" charset="-127"/>
+                <a:ea typeface="한컴산뜻돋움" panose="02000000000000000000" pitchFamily="2" charset="-127"/>
+              </a:rPr>
+              <a:t> </a:t>
+            </a:r>
+            <a:r>
+              <a:rPr kumimoji="1" lang="ko-KR" altLang="en-US" dirty="0">
+                <a:latin typeface="한컴산뜻돋움" panose="02000000000000000000" pitchFamily="2" charset="-127"/>
+                <a:ea typeface="한컴산뜻돋움" panose="02000000000000000000" pitchFamily="2" charset="-127"/>
               </a:rPr>
               <a:t>미니게임 실행화면 </a:t>
             </a:r>
-            <a:endParaRPr kumimoji="1" lang="ko-Kore-KR" altLang="en-US" sz="1500" dirty="0">
-              <a:latin typeface="굴림체" panose="020B0609000101010101" pitchFamily="49" charset="-127"/>
-              <a:ea typeface="굴림체" panose="020B0609000101010101" pitchFamily="49" charset="-127"/>
+            <a:endParaRPr kumimoji="1" lang="ko-Kore-KR" altLang="en-US" dirty="0">
+              <a:latin typeface="한컴산뜻돋움" panose="02000000000000000000" pitchFamily="2" charset="-127"/>
+              <a:ea typeface="한컴산뜻돋움" panose="02000000000000000000" pitchFamily="2" charset="-127"/>
             </a:endParaRPr>
           </a:p>
         </p:txBody>

--- a/SW전시회 판넬_바다와아이1.pptx
+++ b/SW전시회 판넬_바다와아이1.pptx
@@ -208,7 +208,7 @@
           <a:p>
             <a:fld id="{72E67518-7B1B-D04E-AEEB-B868EE55A810}" type="datetimeFigureOut">
               <a:rPr kumimoji="1" lang="ko-KR" altLang="en-US" smtClean="0"/>
-              <a:t>2022-11-18</a:t>
+              <a:t>2022-11-22</a:t>
             </a:fld>
             <a:endParaRPr kumimoji="1" lang="ko-KR" altLang="en-US"/>
           </a:p>
@@ -654,7 +654,7 @@
           <a:p>
             <a:fld id="{F8166F1F-CE9B-4651-A6AA-CD717754106B}" type="datetimeFigureOut">
               <a:rPr lang="en-US" smtClean="0"/>
-              <a:t>11/18/2022</a:t>
+              <a:t>11/22/2022</a:t>
             </a:fld>
             <a:endParaRPr lang="en-US"/>
           </a:p>
@@ -817,7 +817,7 @@
           <a:p>
             <a:fld id="{A76116CE-C4A3-4A05-B2D7-7C2E9A889C0F}" type="datetimeFigureOut">
               <a:rPr lang="en-US" smtClean="0"/>
-              <a:t>11/18/2022</a:t>
+              <a:t>11/22/2022</a:t>
             </a:fld>
             <a:endParaRPr lang="en-US"/>
           </a:p>
@@ -990,7 +990,7 @@
           <a:p>
             <a:fld id="{A76116CE-C4A3-4A05-B2D7-7C2E9A889C0F}" type="datetimeFigureOut">
               <a:rPr lang="en-US" smtClean="0"/>
-              <a:t>11/18/2022</a:t>
+              <a:t>11/22/2022</a:t>
             </a:fld>
             <a:endParaRPr lang="en-US"/>
           </a:p>
@@ -1155,7 +1155,7 @@
           <a:p>
             <a:fld id="{A76116CE-C4A3-4A05-B2D7-7C2E9A889C0F}" type="datetimeFigureOut">
               <a:rPr lang="en-US" smtClean="0"/>
-              <a:t>11/18/2022</a:t>
+              <a:t>11/22/2022</a:t>
             </a:fld>
             <a:endParaRPr lang="en-US"/>
           </a:p>
@@ -1395,7 +1395,7 @@
           <a:p>
             <a:fld id="{A76116CE-C4A3-4A05-B2D7-7C2E9A889C0F}" type="datetimeFigureOut">
               <a:rPr lang="en-US" smtClean="0"/>
-              <a:t>11/18/2022</a:t>
+              <a:t>11/22/2022</a:t>
             </a:fld>
             <a:endParaRPr lang="en-US"/>
           </a:p>
@@ -1675,7 +1675,7 @@
           <a:p>
             <a:fld id="{A76116CE-C4A3-4A05-B2D7-7C2E9A889C0F}" type="datetimeFigureOut">
               <a:rPr lang="en-US" smtClean="0"/>
-              <a:t>11/18/2022</a:t>
+              <a:t>11/22/2022</a:t>
             </a:fld>
             <a:endParaRPr lang="en-US"/>
           </a:p>
@@ -2089,7 +2089,7 @@
           <a:p>
             <a:fld id="{A76116CE-C4A3-4A05-B2D7-7C2E9A889C0F}" type="datetimeFigureOut">
               <a:rPr lang="en-US" smtClean="0"/>
-              <a:t>11/18/2022</a:t>
+              <a:t>11/22/2022</a:t>
             </a:fld>
             <a:endParaRPr lang="en-US"/>
           </a:p>
@@ -2201,7 +2201,7 @@
           <a:p>
             <a:fld id="{A76116CE-C4A3-4A05-B2D7-7C2E9A889C0F}" type="datetimeFigureOut">
               <a:rPr lang="en-US" smtClean="0"/>
-              <a:t>11/18/2022</a:t>
+              <a:t>11/22/2022</a:t>
             </a:fld>
             <a:endParaRPr lang="en-US"/>
           </a:p>
@@ -2291,7 +2291,7 @@
           <a:p>
             <a:fld id="{A76116CE-C4A3-4A05-B2D7-7C2E9A889C0F}" type="datetimeFigureOut">
               <a:rPr lang="en-US" smtClean="0"/>
-              <a:t>11/18/2022</a:t>
+              <a:t>11/22/2022</a:t>
             </a:fld>
             <a:endParaRPr lang="en-US"/>
           </a:p>
@@ -2561,7 +2561,7 @@
           <a:p>
             <a:fld id="{A76116CE-C4A3-4A05-B2D7-7C2E9A889C0F}" type="datetimeFigureOut">
               <a:rPr lang="en-US" smtClean="0"/>
-              <a:t>11/18/2022</a:t>
+              <a:t>11/22/2022</a:t>
             </a:fld>
             <a:endParaRPr lang="en-US"/>
           </a:p>
@@ -2808,7 +2808,7 @@
           <a:p>
             <a:fld id="{A76116CE-C4A3-4A05-B2D7-7C2E9A889C0F}" type="datetimeFigureOut">
               <a:rPr lang="en-US" smtClean="0"/>
-              <a:t>11/18/2022</a:t>
+              <a:t>11/22/2022</a:t>
             </a:fld>
             <a:endParaRPr lang="en-US"/>
           </a:p>
@@ -3014,7 +3014,7 @@
           <a:p>
             <a:fld id="{F8166F1F-CE9B-4651-A6AA-CD717754106B}" type="datetimeFigureOut">
               <a:rPr lang="en-US" smtClean="0"/>
-              <a:t>11/18/2022</a:t>
+              <a:t>11/22/2022</a:t>
             </a:fld>
             <a:endParaRPr lang="en-US"/>
           </a:p>
@@ -3892,7 +3892,7 @@
         </p:nvGrpSpPr>
         <p:grpSpPr>
           <a:xfrm>
-            <a:off x="268273" y="3728354"/>
+            <a:off x="421923" y="3766552"/>
             <a:ext cx="1345959" cy="404786"/>
             <a:chOff x="974864" y="4002133"/>
             <a:chExt cx="1345959" cy="404786"/>
@@ -4457,98 +4457,47 @@
           </p:spPr>
         </p:pic>
       </p:grpSp>
-      <p:grpSp>
-        <p:nvGrpSpPr>
-          <p:cNvPr id="987" name="그룹 986">
+      <p:sp>
+        <p:nvSpPr>
+          <p:cNvPr id="988" name="TextBox 987">
             <a:extLst>
               <a:ext uri="{FF2B5EF4-FFF2-40B4-BE49-F238E27FC236}">
-                <a16:creationId xmlns:a16="http://schemas.microsoft.com/office/drawing/2014/main" id="{8A3A3D5A-3974-D3A6-8318-4C78BC7ACE04}"/>
+                <a16:creationId xmlns:a16="http://schemas.microsoft.com/office/drawing/2014/main" id="{64902A13-9442-C8F7-CB3F-FBFE5BD13887}"/>
               </a:ext>
             </a:extLst>
           </p:cNvPr>
-          <p:cNvGrpSpPr/>
+          <p:cNvSpPr txBox="1"/>
           <p:nvPr/>
-        </p:nvGrpSpPr>
-        <p:grpSpPr>
+        </p:nvSpPr>
+        <p:spPr>
           <a:xfrm>
-            <a:off x="3705969" y="3727226"/>
+            <a:off x="3603036" y="3698330"/>
             <a:ext cx="2119364" cy="400110"/>
-            <a:chOff x="1115470" y="4001005"/>
-            <a:chExt cx="1522467" cy="400110"/>
           </a:xfrm>
-        </p:grpSpPr>
-        <p:sp>
-          <p:nvSpPr>
-            <p:cNvPr id="988" name="TextBox 987">
-              <a:extLst>
-                <a:ext uri="{FF2B5EF4-FFF2-40B4-BE49-F238E27FC236}">
-                  <a16:creationId xmlns:a16="http://schemas.microsoft.com/office/drawing/2014/main" id="{64902A13-9442-C8F7-CB3F-FBFE5BD13887}"/>
-                </a:ext>
-              </a:extLst>
-            </p:cNvPr>
-            <p:cNvSpPr txBox="1"/>
-            <p:nvPr/>
-          </p:nvSpPr>
-          <p:spPr>
-            <a:xfrm>
-              <a:off x="1115470" y="4001005"/>
-              <a:ext cx="1522467" cy="400110"/>
-            </a:xfrm>
-            <a:prstGeom prst="rect">
-              <a:avLst/>
-            </a:prstGeom>
-            <a:noFill/>
-          </p:spPr>
-          <p:txBody>
-            <a:bodyPr wrap="square" rtlCol="0">
-              <a:spAutoFit/>
-            </a:bodyPr>
-            <a:lstStyle/>
-            <a:p>
-              <a:r>
-                <a:rPr kumimoji="1" lang="ko-KR" altLang="en-US" sz="2000" dirty="0">
-                  <a:solidFill>
-                    <a:schemeClr val="bg1"/>
-                  </a:solidFill>
-                  <a:latin typeface="한컴산뜻돋움" panose="02000000000000000000" pitchFamily="2" charset="-127"/>
-                  <a:ea typeface="한컴산뜻돋움" panose="02000000000000000000" pitchFamily="2" charset="-127"/>
-                </a:rPr>
-                <a:t>프로젝트 소개</a:t>
-              </a:r>
-            </a:p>
-          </p:txBody>
-        </p:sp>
-        <p:pic>
-          <p:nvPicPr>
-            <p:cNvPr id="989" name="Object 29">
-              <a:extLst>
-                <a:ext uri="{FF2B5EF4-FFF2-40B4-BE49-F238E27FC236}">
-                  <a16:creationId xmlns:a16="http://schemas.microsoft.com/office/drawing/2014/main" id="{82ACA2DF-8730-FB9D-9999-082A5BC56B71}"/>
-                </a:ext>
-              </a:extLst>
-            </p:cNvPr>
-            <p:cNvPicPr>
-              <a:picLocks noChangeAspect="1"/>
-            </p:cNvPicPr>
-            <p:nvPr/>
-          </p:nvPicPr>
-          <p:blipFill>
-            <a:blip r:embed="rId13" cstate="print"/>
-            <a:stretch>
-              <a:fillRect/>
-            </a:stretch>
-          </p:blipFill>
-          <p:spPr>
-            <a:xfrm>
-              <a:off x="1301230" y="4373040"/>
-              <a:ext cx="867614" cy="13937"/>
-            </a:xfrm>
-            <a:prstGeom prst="rect">
-              <a:avLst/>
-            </a:prstGeom>
-          </p:spPr>
-        </p:pic>
-      </p:grpSp>
+          <a:prstGeom prst="rect">
+            <a:avLst/>
+          </a:prstGeom>
+          <a:noFill/>
+        </p:spPr>
+        <p:txBody>
+          <a:bodyPr wrap="square" rtlCol="0">
+            <a:spAutoFit/>
+          </a:bodyPr>
+          <a:lstStyle/>
+          <a:p>
+            <a:r>
+              <a:rPr kumimoji="1" lang="ko-KR" altLang="en-US" sz="2000" dirty="0">
+                <a:solidFill>
+                  <a:schemeClr val="bg1"/>
+                </a:solidFill>
+                <a:latin typeface="한컴산뜻돋움" panose="02000000000000000000" pitchFamily="2" charset="-127"/>
+                <a:ea typeface="한컴산뜻돋움" panose="02000000000000000000" pitchFamily="2" charset="-127"/>
+              </a:rPr>
+              <a:t>프로젝트 소개</a:t>
+            </a:r>
+          </a:p>
+        </p:txBody>
+      </p:sp>
       <p:sp>
         <p:nvSpPr>
           <p:cNvPr id="992" name="모서리가 둥근 직사각형 991">
@@ -4668,7 +4617,7 @@
         </p:nvGrpSpPr>
         <p:grpSpPr>
           <a:xfrm>
-            <a:off x="268273" y="6147141"/>
+            <a:off x="383423" y="6147141"/>
             <a:ext cx="1345959" cy="404786"/>
             <a:chOff x="974864" y="4002462"/>
             <a:chExt cx="1345959" cy="404786"/>
@@ -4816,7 +4765,7 @@
         </p:nvGrpSpPr>
         <p:grpSpPr>
           <a:xfrm>
-            <a:off x="1606020" y="4448883"/>
+            <a:off x="1481906" y="4431046"/>
             <a:ext cx="943220" cy="740364"/>
             <a:chOff x="1597628" y="4464772"/>
             <a:chExt cx="943220" cy="740364"/>
@@ -4973,8 +4922,8 @@
         </p:blipFill>
         <p:spPr>
           <a:xfrm>
-            <a:off x="4117250" y="4241779"/>
-            <a:ext cx="902384" cy="1905033"/>
+            <a:off x="4255513" y="4256562"/>
+            <a:ext cx="904861" cy="1910263"/>
           </a:xfrm>
           <a:prstGeom prst="rect">
             <a:avLst/>
@@ -5598,96 +5547,6 @@
       </p:sp>
       <p:sp>
         <p:nvSpPr>
-          <p:cNvPr id="2" name="모서리가 둥근 직사각형 991">
-            <a:extLst>
-              <a:ext uri="{FF2B5EF4-FFF2-40B4-BE49-F238E27FC236}">
-                <a16:creationId xmlns:a16="http://schemas.microsoft.com/office/drawing/2014/main" id="{77964822-2AFB-71DB-BAFC-B4D5455CA7DA}"/>
-              </a:ext>
-            </a:extLst>
-          </p:cNvPr>
-          <p:cNvSpPr/>
-          <p:nvPr/>
-        </p:nvSpPr>
-        <p:spPr>
-          <a:xfrm>
-            <a:off x="239928" y="5335216"/>
-            <a:ext cx="2765112" cy="789875"/>
-          </a:xfrm>
-          <a:prstGeom prst="roundRect">
-            <a:avLst>
-              <a:gd name="adj" fmla="val 19901"/>
-            </a:avLst>
-          </a:prstGeom>
-          <a:solidFill>
-            <a:schemeClr val="tx1">
-              <a:alpha val="29804"/>
-            </a:schemeClr>
-          </a:solidFill>
-          <a:ln>
-            <a:noFill/>
-          </a:ln>
-        </p:spPr>
-        <p:style>
-          <a:lnRef idx="2">
-            <a:schemeClr val="accent1">
-              <a:shade val="50000"/>
-            </a:schemeClr>
-          </a:lnRef>
-          <a:fillRef idx="1">
-            <a:schemeClr val="accent1"/>
-          </a:fillRef>
-          <a:effectRef idx="0">
-            <a:schemeClr val="accent1"/>
-          </a:effectRef>
-          <a:fontRef idx="minor">
-            <a:schemeClr val="lt1"/>
-          </a:fontRef>
-        </p:style>
-        <p:txBody>
-          <a:bodyPr rtlCol="0" anchor="ctr"/>
-          <a:lstStyle/>
-          <a:p>
-            <a:pPr algn="ctr"/>
-            <a:r>
-              <a:rPr kumimoji="1" lang="ko-KR" altLang="en-US" dirty="0" err="1">
-                <a:latin typeface="한컴산뜻돋움" panose="02000000000000000000" pitchFamily="2" charset="-127"/>
-                <a:ea typeface="한컴산뜻돋움" panose="02000000000000000000" pitchFamily="2" charset="-127"/>
-              </a:rPr>
-              <a:t>코틀린</a:t>
-            </a:r>
-            <a:r>
-              <a:rPr kumimoji="1" lang="ko-KR" altLang="en-US" dirty="0">
-                <a:latin typeface="한컴산뜻돋움" panose="02000000000000000000" pitchFamily="2" charset="-127"/>
-                <a:ea typeface="한컴산뜻돋움" panose="02000000000000000000" pitchFamily="2" charset="-127"/>
-              </a:rPr>
-              <a:t> 언어</a:t>
-            </a:r>
-            <a:r>
-              <a:rPr kumimoji="1" lang="en-US" altLang="ko-KR" dirty="0">
-                <a:latin typeface="한컴산뜻돋움" panose="02000000000000000000" pitchFamily="2" charset="-127"/>
-                <a:ea typeface="한컴산뜻돋움" panose="02000000000000000000" pitchFamily="2" charset="-127"/>
-              </a:rPr>
-              <a:t>,</a:t>
-            </a:r>
-          </a:p>
-          <a:p>
-            <a:pPr algn="ctr"/>
-            <a:r>
-              <a:rPr kumimoji="1" lang="ko-KR" altLang="en-US" dirty="0">
-                <a:latin typeface="한컴산뜻돋움" panose="02000000000000000000" pitchFamily="2" charset="-127"/>
-                <a:ea typeface="한컴산뜻돋움" panose="02000000000000000000" pitchFamily="2" charset="-127"/>
-              </a:rPr>
-              <a:t>안드로이드 스튜디오</a:t>
-            </a:r>
-            <a:endParaRPr kumimoji="1" lang="en-US" altLang="ko-KR" dirty="0">
-              <a:latin typeface="한컴산뜻돋움" panose="02000000000000000000" pitchFamily="2" charset="-127"/>
-              <a:ea typeface="한컴산뜻돋움" panose="02000000000000000000" pitchFamily="2" charset="-127"/>
-            </a:endParaRPr>
-          </a:p>
-        </p:txBody>
-      </p:sp>
-      <p:sp>
-        <p:nvSpPr>
           <p:cNvPr id="14" name="TextBox 13">
             <a:extLst>
               <a:ext uri="{FF2B5EF4-FFF2-40B4-BE49-F238E27FC236}">
@@ -5862,6 +5721,126 @@
               <a:latin typeface="한컴산뜻돋움" panose="02000000000000000000" pitchFamily="2" charset="-127"/>
               <a:ea typeface="한컴산뜻돋움" panose="02000000000000000000" pitchFamily="2" charset="-127"/>
             </a:endParaRPr>
+          </a:p>
+        </p:txBody>
+      </p:sp>
+      <p:pic>
+        <p:nvPicPr>
+          <p:cNvPr id="29" name="그림 28">
+            <a:extLst>
+              <a:ext uri="{FF2B5EF4-FFF2-40B4-BE49-F238E27FC236}">
+                <a16:creationId xmlns:a16="http://schemas.microsoft.com/office/drawing/2014/main" id="{379FBB6F-2460-485E-B828-70E91E387214}"/>
+              </a:ext>
+            </a:extLst>
+          </p:cNvPr>
+          <p:cNvPicPr>
+            <a:picLocks noChangeAspect="1"/>
+          </p:cNvPicPr>
+          <p:nvPr/>
+        </p:nvPicPr>
+        <p:blipFill rotWithShape="1">
+          <a:blip r:embed="rId21" cstate="print">
+            <a:extLst>
+              <a:ext uri="{28A0092B-C50C-407E-A947-70E740481C1C}">
+                <a14:useLocalDpi xmlns:a14="http://schemas.microsoft.com/office/drawing/2010/main" val="0"/>
+              </a:ext>
+            </a:extLst>
+          </a:blip>
+          <a:srcRect l="13140" t="13025" r="13879" b="12511"/>
+          <a:stretch/>
+        </p:blipFill>
+        <p:spPr>
+          <a:xfrm>
+            <a:off x="2870542" y="4380622"/>
+            <a:ext cx="922232" cy="940970"/>
+          </a:xfrm>
+          <a:prstGeom prst="rect">
+            <a:avLst/>
+          </a:prstGeom>
+        </p:spPr>
+      </p:pic>
+      <p:cxnSp>
+        <p:nvCxnSpPr>
+          <p:cNvPr id="34" name="직선 연결선 33">
+            <a:extLst>
+              <a:ext uri="{FF2B5EF4-FFF2-40B4-BE49-F238E27FC236}">
+                <a16:creationId xmlns:a16="http://schemas.microsoft.com/office/drawing/2014/main" id="{7A2336F9-53FB-41C2-B726-86C7F77D8F3A}"/>
+              </a:ext>
+            </a:extLst>
+          </p:cNvPr>
+          <p:cNvCxnSpPr>
+            <a:cxnSpLocks/>
+          </p:cNvCxnSpPr>
+          <p:nvPr/>
+        </p:nvCxnSpPr>
+        <p:spPr>
+          <a:xfrm>
+            <a:off x="3663995" y="4087714"/>
+            <a:ext cx="1490157" cy="0"/>
+          </a:xfrm>
+          <a:prstGeom prst="line">
+            <a:avLst/>
+          </a:prstGeom>
+          <a:ln>
+            <a:solidFill>
+              <a:schemeClr val="bg1"/>
+            </a:solidFill>
+          </a:ln>
+        </p:spPr>
+        <p:style>
+          <a:lnRef idx="1">
+            <a:schemeClr val="accent1"/>
+          </a:lnRef>
+          <a:fillRef idx="0">
+            <a:schemeClr val="accent1"/>
+          </a:fillRef>
+          <a:effectRef idx="0">
+            <a:schemeClr val="accent1"/>
+          </a:effectRef>
+          <a:fontRef idx="minor">
+            <a:schemeClr val="tx1"/>
+          </a:fontRef>
+        </p:style>
+      </p:cxnSp>
+      <p:sp>
+        <p:nvSpPr>
+          <p:cNvPr id="61" name="TextBox 60">
+            <a:extLst>
+              <a:ext uri="{FF2B5EF4-FFF2-40B4-BE49-F238E27FC236}">
+                <a16:creationId xmlns:a16="http://schemas.microsoft.com/office/drawing/2014/main" id="{8FD76EBF-2867-4C09-B459-1A2C54295DC3}"/>
+              </a:ext>
+            </a:extLst>
+          </p:cNvPr>
+          <p:cNvSpPr txBox="1"/>
+          <p:nvPr/>
+        </p:nvSpPr>
+        <p:spPr>
+          <a:xfrm>
+            <a:off x="2411304" y="5574421"/>
+            <a:ext cx="1840708" cy="338554"/>
+          </a:xfrm>
+          <a:prstGeom prst="rect">
+            <a:avLst/>
+          </a:prstGeom>
+          <a:noFill/>
+        </p:spPr>
+        <p:txBody>
+          <a:bodyPr wrap="square" rtlCol="0">
+            <a:spAutoFit/>
+          </a:bodyPr>
+          <a:lstStyle/>
+          <a:p>
+            <a:pPr algn="ctr"/>
+            <a:r>
+              <a:rPr lang="ko-KR" altLang="en-US" sz="1600" dirty="0">
+                <a:solidFill>
+                  <a:schemeClr val="bg1"/>
+                </a:solidFill>
+                <a:latin typeface="한컴산뜻돋움" panose="02000000000000000000" pitchFamily="2" charset="-127"/>
+                <a:ea typeface="한컴산뜻돋움" panose="02000000000000000000" pitchFamily="2" charset="-127"/>
+              </a:rPr>
+              <a:t>다운로드 링크</a:t>
+            </a:r>
           </a:p>
         </p:txBody>
       </p:sp>
